--- a/weekly_report/group1/First group Weekly Report.pptx
+++ b/weekly_report/group1/First group Weekly Report.pptx
@@ -5,19 +5,23 @@
     <p:sldMasterId id="2147483648" r:id="rId1"/>
   </p:sldMasterIdLst>
   <p:notesMasterIdLst>
-    <p:notesMasterId r:id="rId12"/>
+    <p:notesMasterId r:id="rId16"/>
   </p:notesMasterIdLst>
   <p:sldIdLst>
     <p:sldId id="265" r:id="rId2"/>
-    <p:sldId id="257" r:id="rId3"/>
-    <p:sldId id="258" r:id="rId4"/>
-    <p:sldId id="259" r:id="rId5"/>
-    <p:sldId id="256" r:id="rId6"/>
-    <p:sldId id="261" r:id="rId7"/>
-    <p:sldId id="262" r:id="rId8"/>
-    <p:sldId id="263" r:id="rId9"/>
-    <p:sldId id="260" r:id="rId10"/>
-    <p:sldId id="264" r:id="rId11"/>
+    <p:sldId id="266" r:id="rId3"/>
+    <p:sldId id="267" r:id="rId4"/>
+    <p:sldId id="268" r:id="rId5"/>
+    <p:sldId id="269" r:id="rId6"/>
+    <p:sldId id="257" r:id="rId7"/>
+    <p:sldId id="258" r:id="rId8"/>
+    <p:sldId id="259" r:id="rId9"/>
+    <p:sldId id="256" r:id="rId10"/>
+    <p:sldId id="261" r:id="rId11"/>
+    <p:sldId id="262" r:id="rId12"/>
+    <p:sldId id="263" r:id="rId13"/>
+    <p:sldId id="260" r:id="rId14"/>
+    <p:sldId id="264" r:id="rId15"/>
   </p:sldIdLst>
   <p:sldSz cx="12192000" cy="6858000"/>
   <p:notesSz cx="6858000" cy="9144000"/>
@@ -116,7 +120,16 @@
       </a:defRPr>
     </a:lvl9pPr>
   </p:defaultTextStyle>
+  <p:extLst>
+    <p:ext uri="{EFAFB233-063F-42B5-8137-9DF3F51BA10A}">
+      <p15:sldGuideLst xmlns:p15="http://schemas.microsoft.com/office/powerpoint/2012/main"/>
+    </p:ext>
+  </p:extLst>
 </p:presentation>
+</file>
+
+<file path=ppt/revisionInfo.xml><?xml version="1.0" encoding="utf-8"?>
+<p1510:revInfo xmlns:a="http://schemas.openxmlformats.org/drawingml/2006/main" xmlns:r="http://schemas.openxmlformats.org/officeDocument/2006/relationships" xmlns:p1510="http://schemas.microsoft.com/office/powerpoint/2015/10/main"/>
 </file>
 
 <file path=ppt/notesMasters/notesMaster1.xml><?xml version="1.0" encoding="utf-8"?>
@@ -265,38 +278,37 @@
           <a:p>
             <a:pPr lvl="0"/>
             <a:r>
-              <a:rPr kumimoji="1" lang="zh-CN" altLang="en-US" smtClean="0"/>
+              <a:rPr kumimoji="1" lang="zh-CN" altLang="en-US"/>
               <a:t>单击此处编辑母版文本样式</a:t>
             </a:r>
           </a:p>
           <a:p>
             <a:pPr lvl="1"/>
             <a:r>
-              <a:rPr kumimoji="1" lang="zh-CN" altLang="en-US" smtClean="0"/>
+              <a:rPr kumimoji="1" lang="zh-CN" altLang="en-US"/>
               <a:t>二级</a:t>
             </a:r>
           </a:p>
           <a:p>
             <a:pPr lvl="2"/>
             <a:r>
-              <a:rPr kumimoji="1" lang="zh-CN" altLang="en-US" smtClean="0"/>
+              <a:rPr kumimoji="1" lang="zh-CN" altLang="en-US"/>
               <a:t>三级</a:t>
             </a:r>
           </a:p>
           <a:p>
             <a:pPr lvl="3"/>
             <a:r>
-              <a:rPr kumimoji="1" lang="zh-CN" altLang="en-US" smtClean="0"/>
+              <a:rPr kumimoji="1" lang="zh-CN" altLang="en-US"/>
               <a:t>四级</a:t>
             </a:r>
           </a:p>
           <a:p>
             <a:pPr lvl="4"/>
             <a:r>
-              <a:rPr kumimoji="1" lang="zh-CN" altLang="en-US" smtClean="0"/>
+              <a:rPr kumimoji="1" lang="zh-CN" altLang="en-US"/>
               <a:t>五级</a:t>
             </a:r>
-            <a:endParaRPr kumimoji="1" lang="zh-CN" altLang="en-US"/>
           </a:p>
         </p:txBody>
       </p:sp>
@@ -545,7 +557,7 @@
           </a:lstStyle>
           <a:p>
             <a:r>
-              <a:rPr lang="zh-CN" altLang="en-US" smtClean="0"/>
+              <a:rPr lang="zh-CN" altLang="en-US"/>
               <a:t>单击此处编辑母版标题样式</a:t>
             </a:r>
             <a:endParaRPr lang="en-US" dirty="0"/>
@@ -641,7 +653,7 @@
           </a:lstStyle>
           <a:p>
             <a:r>
-              <a:rPr lang="zh-CN" altLang="en-US" smtClean="0"/>
+              <a:rPr lang="zh-CN" altLang="en-US"/>
               <a:t>单击此处编辑母版副标题样式</a:t>
             </a:r>
             <a:endParaRPr lang="en-US" dirty="0"/>
@@ -665,7 +677,7 @@
           <a:p>
             <a:fld id="{ECD19FB2-3AAB-4D03-B13A-2960828C78E3}" type="datetimeFigureOut">
               <a:rPr lang="en-US" dirty="0"/>
-              <a:t>10/12/17</a:t>
+              <a:t>10/12/2017</a:t>
             </a:fld>
             <a:endParaRPr lang="en-US" dirty="0"/>
           </a:p>
@@ -764,7 +776,7 @@
           </a:lstStyle>
           <a:p>
             <a:r>
-              <a:rPr lang="zh-CN" altLang="en-US" smtClean="0"/>
+              <a:rPr lang="zh-CN" altLang="en-US"/>
               <a:t>单击此处编辑母版标题样式</a:t>
             </a:r>
             <a:endParaRPr lang="en-US" dirty="0"/>
@@ -829,7 +841,7 @@
           </a:lstStyle>
           <a:p>
             <a:r>
-              <a:rPr lang="zh-CN" altLang="en-US" smtClean="0"/>
+              <a:rPr lang="zh-CN" altLang="en-US"/>
               <a:t>将图片拖动到占位符，或单击添加图标</a:t>
             </a:r>
             <a:endParaRPr lang="en-US" dirty="0"/>
@@ -919,7 +931,7 @@
           <a:p>
             <a:pPr lvl="0"/>
             <a:r>
-              <a:rPr lang="zh-CN" altLang="en-US" smtClean="0"/>
+              <a:rPr lang="zh-CN" altLang="en-US"/>
               <a:t>单击此处编辑母版文本样式</a:t>
             </a:r>
           </a:p>
@@ -942,7 +954,7 @@
           <a:p>
             <a:fld id="{1B80C674-7DFC-42FE-B9CD-82963CDB1557}" type="datetimeFigureOut">
               <a:rPr lang="en-US" dirty="0"/>
-              <a:t>10/12/17</a:t>
+              <a:t>10/12/2017</a:t>
             </a:fld>
             <a:endParaRPr lang="en-US" dirty="0"/>
           </a:p>
@@ -1040,7 +1052,7 @@
           </a:lstStyle>
           <a:p>
             <a:r>
-              <a:rPr lang="zh-CN" altLang="en-US" smtClean="0"/>
+              <a:rPr lang="zh-CN" altLang="en-US"/>
               <a:t>单击此处编辑母版标题样式</a:t>
             </a:r>
             <a:endParaRPr lang="en-US" dirty="0"/>
@@ -1106,7 +1118,7 @@
           <a:p>
             <a:pPr lvl="0"/>
             <a:r>
-              <a:rPr lang="zh-CN" altLang="en-US" smtClean="0"/>
+              <a:rPr lang="zh-CN" altLang="en-US"/>
               <a:t>单击此处编辑母版文本样式</a:t>
             </a:r>
           </a:p>
@@ -1129,7 +1141,7 @@
           <a:p>
             <a:fld id="{2076456F-F47D-4F25-8053-2A695DA0CA7D}" type="datetimeFigureOut">
               <a:rPr lang="en-US" dirty="0"/>
-              <a:t>10/12/17</a:t>
+              <a:t>10/12/2017</a:t>
             </a:fld>
             <a:endParaRPr lang="en-US" dirty="0"/>
           </a:p>
@@ -1227,7 +1239,7 @@
           </a:lstStyle>
           <a:p>
             <a:r>
-              <a:rPr lang="zh-CN" altLang="en-US" smtClean="0"/>
+              <a:rPr lang="zh-CN" altLang="en-US"/>
               <a:t>单击此处编辑母版标题样式</a:t>
             </a:r>
             <a:endParaRPr lang="en-US" dirty="0"/>
@@ -1295,7 +1307,7 @@
           <a:p>
             <a:pPr lvl="0"/>
             <a:r>
-              <a:rPr lang="zh-CN" altLang="en-US" smtClean="0"/>
+              <a:rPr lang="zh-CN" altLang="en-US"/>
               <a:t>单击此处编辑母版文本样式</a:t>
             </a:r>
           </a:p>
@@ -1362,7 +1374,7 @@
           <a:p>
             <a:pPr lvl="0"/>
             <a:r>
-              <a:rPr lang="zh-CN" altLang="en-US" smtClean="0"/>
+              <a:rPr lang="zh-CN" altLang="en-US"/>
               <a:t>单击此处编辑母版文本样式</a:t>
             </a:r>
           </a:p>
@@ -1385,7 +1397,7 @@
           <a:p>
             <a:fld id="{5D6C7379-69CC-4837-9905-BEBA22830C8A}" type="datetimeFigureOut">
               <a:rPr lang="en-US" dirty="0"/>
-              <a:t>10/12/17</a:t>
+              <a:t>10/12/2017</a:t>
             </a:fld>
             <a:endParaRPr lang="en-US" dirty="0"/>
           </a:p>
@@ -1717,7 +1729,7 @@
           </a:lstStyle>
           <a:p>
             <a:r>
-              <a:rPr lang="zh-CN" altLang="en-US" smtClean="0"/>
+              <a:rPr lang="zh-CN" altLang="en-US"/>
               <a:t>单击此处编辑母版标题样式</a:t>
             </a:r>
             <a:endParaRPr lang="en-US" dirty="0"/>
@@ -1783,7 +1795,7 @@
           <a:p>
             <a:pPr lvl="0"/>
             <a:r>
-              <a:rPr lang="zh-CN" altLang="en-US" smtClean="0"/>
+              <a:rPr lang="zh-CN" altLang="en-US"/>
               <a:t>单击此处编辑母版文本样式</a:t>
             </a:r>
           </a:p>
@@ -1806,7 +1818,7 @@
           <a:p>
             <a:fld id="{49EB8B7E-8AEE-4F10-BFEE-C999AD004D36}" type="datetimeFigureOut">
               <a:rPr lang="en-US" dirty="0"/>
-              <a:t>10/12/17</a:t>
+              <a:t>10/12/2017</a:t>
             </a:fld>
             <a:endParaRPr lang="en-US" dirty="0"/>
           </a:p>
@@ -1900,7 +1912,7 @@
           <a:lstStyle/>
           <a:p>
             <a:r>
-              <a:rPr lang="zh-CN" altLang="en-US" smtClean="0"/>
+              <a:rPr lang="zh-CN" altLang="en-US"/>
               <a:t>单击此处编辑母版标题样式</a:t>
             </a:r>
             <a:endParaRPr lang="en-US" dirty="0"/>
@@ -1995,7 +2007,7 @@
           <a:p>
             <a:pPr lvl="0"/>
             <a:r>
-              <a:rPr lang="zh-CN" altLang="en-US" smtClean="0"/>
+              <a:rPr lang="zh-CN" altLang="en-US"/>
               <a:t>单击此处编辑母版文本样式</a:t>
             </a:r>
           </a:p>
@@ -2062,7 +2074,7 @@
           <a:p>
             <a:pPr lvl="0"/>
             <a:r>
-              <a:rPr lang="zh-CN" altLang="en-US" smtClean="0"/>
+              <a:rPr lang="zh-CN" altLang="en-US"/>
               <a:t>单击此处编辑母版文本样式</a:t>
             </a:r>
           </a:p>
@@ -2126,7 +2138,7 @@
               <a:buNone/>
             </a:pPr>
             <a:r>
-              <a:rPr lang="zh-CN" altLang="en-US" smtClean="0"/>
+              <a:rPr lang="zh-CN" altLang="en-US"/>
               <a:t>单击此处编辑母版文本样式</a:t>
             </a:r>
           </a:p>
@@ -2193,7 +2205,7 @@
           <a:p>
             <a:pPr lvl="0"/>
             <a:r>
-              <a:rPr lang="zh-CN" altLang="en-US" smtClean="0"/>
+              <a:rPr lang="zh-CN" altLang="en-US"/>
               <a:t>单击此处编辑母版文本样式</a:t>
             </a:r>
           </a:p>
@@ -2257,7 +2269,7 @@
               <a:buNone/>
             </a:pPr>
             <a:r>
-              <a:rPr lang="zh-CN" altLang="en-US" smtClean="0"/>
+              <a:rPr lang="zh-CN" altLang="en-US"/>
               <a:t>单击此处编辑母版文本样式</a:t>
             </a:r>
           </a:p>
@@ -2324,7 +2336,7 @@
           <a:p>
             <a:pPr lvl="0"/>
             <a:r>
-              <a:rPr lang="zh-CN" altLang="en-US" smtClean="0"/>
+              <a:rPr lang="zh-CN" altLang="en-US"/>
               <a:t>单击此处编辑母版文本样式</a:t>
             </a:r>
           </a:p>
@@ -2347,7 +2359,7 @@
           <a:p>
             <a:fld id="{8668F3F9-58BC-440B-B37B-805B9055EF92}" type="datetimeFigureOut">
               <a:rPr lang="en-US" dirty="0"/>
-              <a:t>10/12/17</a:t>
+              <a:t>10/12/2017</a:t>
             </a:fld>
             <a:endParaRPr lang="en-US" dirty="0"/>
           </a:p>
@@ -2441,7 +2453,7 @@
           <a:lstStyle/>
           <a:p>
             <a:r>
-              <a:rPr lang="zh-CN" altLang="en-US" smtClean="0"/>
+              <a:rPr lang="zh-CN" altLang="en-US"/>
               <a:t>单击此处编辑母版标题样式</a:t>
             </a:r>
             <a:endParaRPr lang="en-US" dirty="0"/>
@@ -2532,7 +2544,7 @@
           <a:p>
             <a:pPr lvl="0"/>
             <a:r>
-              <a:rPr lang="zh-CN" altLang="en-US" smtClean="0"/>
+              <a:rPr lang="zh-CN" altLang="en-US"/>
               <a:t>单击此处编辑母版文本样式</a:t>
             </a:r>
           </a:p>
@@ -2610,7 +2622,7 @@
           </a:lstStyle>
           <a:p>
             <a:r>
-              <a:rPr lang="zh-CN" altLang="en-US" smtClean="0"/>
+              <a:rPr lang="zh-CN" altLang="en-US"/>
               <a:t>将图片拖动到占位符，或单击添加图标</a:t>
             </a:r>
             <a:endParaRPr lang="en-US" dirty="0"/>
@@ -2678,7 +2690,7 @@
           <a:p>
             <a:pPr lvl="0"/>
             <a:r>
-              <a:rPr lang="zh-CN" altLang="en-US" smtClean="0"/>
+              <a:rPr lang="zh-CN" altLang="en-US"/>
               <a:t>单击此处编辑母版文本样式</a:t>
             </a:r>
           </a:p>
@@ -2768,7 +2780,7 @@
           <a:p>
             <a:pPr lvl="0"/>
             <a:r>
-              <a:rPr lang="zh-CN" altLang="en-US" smtClean="0"/>
+              <a:rPr lang="zh-CN" altLang="en-US"/>
               <a:t>单击此处编辑母版文本样式</a:t>
             </a:r>
           </a:p>
@@ -2846,7 +2858,7 @@
           </a:lstStyle>
           <a:p>
             <a:r>
-              <a:rPr lang="zh-CN" altLang="en-US" smtClean="0"/>
+              <a:rPr lang="zh-CN" altLang="en-US"/>
               <a:t>将图片拖动到占位符，或单击添加图标</a:t>
             </a:r>
             <a:endParaRPr lang="en-US" dirty="0"/>
@@ -2914,7 +2926,7 @@
           <a:p>
             <a:pPr lvl="0"/>
             <a:r>
-              <a:rPr lang="zh-CN" altLang="en-US" smtClean="0"/>
+              <a:rPr lang="zh-CN" altLang="en-US"/>
               <a:t>单击此处编辑母版文本样式</a:t>
             </a:r>
           </a:p>
@@ -3004,7 +3016,7 @@
           <a:p>
             <a:pPr lvl="0"/>
             <a:r>
-              <a:rPr lang="zh-CN" altLang="en-US" smtClean="0"/>
+              <a:rPr lang="zh-CN" altLang="en-US"/>
               <a:t>单击此处编辑母版文本样式</a:t>
             </a:r>
           </a:p>
@@ -3082,7 +3094,7 @@
           </a:lstStyle>
           <a:p>
             <a:r>
-              <a:rPr lang="zh-CN" altLang="en-US" smtClean="0"/>
+              <a:rPr lang="zh-CN" altLang="en-US"/>
               <a:t>将图片拖动到占位符，或单击添加图标</a:t>
             </a:r>
             <a:endParaRPr lang="en-US" dirty="0"/>
@@ -3150,7 +3162,7 @@
           <a:p>
             <a:pPr lvl="0"/>
             <a:r>
-              <a:rPr lang="zh-CN" altLang="en-US" smtClean="0"/>
+              <a:rPr lang="zh-CN" altLang="en-US"/>
               <a:t>单击此处编辑母版文本样式</a:t>
             </a:r>
           </a:p>
@@ -3173,7 +3185,7 @@
           <a:p>
             <a:fld id="{0D5A53AF-48EA-489D-8260-9DCAB666386A}" type="datetimeFigureOut">
               <a:rPr lang="en-US" dirty="0"/>
-              <a:t>10/12/17</a:t>
+              <a:t>10/12/2017</a:t>
             </a:fld>
             <a:endParaRPr lang="en-US" dirty="0"/>
           </a:p>
@@ -3262,7 +3274,7 @@
           <a:lstStyle/>
           <a:p>
             <a:r>
-              <a:rPr lang="zh-CN" altLang="en-US" smtClean="0"/>
+              <a:rPr lang="zh-CN" altLang="en-US"/>
               <a:t>单击此处编辑母版标题样式</a:t>
             </a:r>
             <a:endParaRPr lang="en-US" dirty="0"/>
@@ -3286,35 +3298,35 @@
           <a:p>
             <a:pPr lvl="0"/>
             <a:r>
-              <a:rPr lang="zh-CN" altLang="en-US" smtClean="0"/>
+              <a:rPr lang="zh-CN" altLang="en-US"/>
               <a:t>单击此处编辑母版文本样式</a:t>
             </a:r>
           </a:p>
           <a:p>
             <a:pPr lvl="1"/>
             <a:r>
-              <a:rPr lang="zh-CN" altLang="en-US" smtClean="0"/>
+              <a:rPr lang="zh-CN" altLang="en-US"/>
               <a:t>二级</a:t>
             </a:r>
           </a:p>
           <a:p>
             <a:pPr lvl="2"/>
             <a:r>
-              <a:rPr lang="zh-CN" altLang="en-US" smtClean="0"/>
+              <a:rPr lang="zh-CN" altLang="en-US"/>
               <a:t>三级</a:t>
             </a:r>
           </a:p>
           <a:p>
             <a:pPr lvl="3"/>
             <a:r>
-              <a:rPr lang="zh-CN" altLang="en-US" smtClean="0"/>
+              <a:rPr lang="zh-CN" altLang="en-US"/>
               <a:t>四级</a:t>
             </a:r>
           </a:p>
           <a:p>
             <a:pPr lvl="4"/>
             <a:r>
-              <a:rPr lang="zh-CN" altLang="en-US" smtClean="0"/>
+              <a:rPr lang="zh-CN" altLang="en-US"/>
               <a:t>五级</a:t>
             </a:r>
             <a:endParaRPr lang="en-US" dirty="0"/>
@@ -3338,7 +3350,7 @@
           <a:p>
             <a:fld id="{0DED02AE-B9A4-47BD-AF8E-97E16144138B}" type="datetimeFigureOut">
               <a:rPr lang="en-US" dirty="0"/>
-              <a:t>10/12/17</a:t>
+              <a:t>10/12/2017</a:t>
             </a:fld>
             <a:endParaRPr lang="en-US" dirty="0"/>
           </a:p>
@@ -3432,7 +3444,7 @@
           <a:lstStyle/>
           <a:p>
             <a:r>
-              <a:rPr lang="zh-CN" altLang="en-US" smtClean="0"/>
+              <a:rPr lang="zh-CN" altLang="en-US"/>
               <a:t>单击此处编辑母版标题样式</a:t>
             </a:r>
             <a:endParaRPr lang="en-US" dirty="0"/>
@@ -3461,35 +3473,35 @@
           <a:p>
             <a:pPr lvl="0"/>
             <a:r>
-              <a:rPr lang="zh-CN" altLang="en-US" smtClean="0"/>
+              <a:rPr lang="zh-CN" altLang="en-US"/>
               <a:t>单击此处编辑母版文本样式</a:t>
             </a:r>
           </a:p>
           <a:p>
             <a:pPr lvl="1"/>
             <a:r>
-              <a:rPr lang="zh-CN" altLang="en-US" smtClean="0"/>
+              <a:rPr lang="zh-CN" altLang="en-US"/>
               <a:t>二级</a:t>
             </a:r>
           </a:p>
           <a:p>
             <a:pPr lvl="2"/>
             <a:r>
-              <a:rPr lang="zh-CN" altLang="en-US" smtClean="0"/>
+              <a:rPr lang="zh-CN" altLang="en-US"/>
               <a:t>三级</a:t>
             </a:r>
           </a:p>
           <a:p>
             <a:pPr lvl="3"/>
             <a:r>
-              <a:rPr lang="zh-CN" altLang="en-US" smtClean="0"/>
+              <a:rPr lang="zh-CN" altLang="en-US"/>
               <a:t>四级</a:t>
             </a:r>
           </a:p>
           <a:p>
             <a:pPr lvl="4"/>
             <a:r>
-              <a:rPr lang="zh-CN" altLang="en-US" smtClean="0"/>
+              <a:rPr lang="zh-CN" altLang="en-US"/>
               <a:t>五级</a:t>
             </a:r>
             <a:endParaRPr lang="en-US" dirty="0"/>
@@ -3513,7 +3525,7 @@
           <a:p>
             <a:fld id="{CF0FD78B-DB02-4362-BCDC-98A55456977C}" type="datetimeFigureOut">
               <a:rPr lang="en-US" dirty="0"/>
-              <a:t>10/12/17</a:t>
+              <a:t>10/12/2017</a:t>
             </a:fld>
             <a:endParaRPr lang="en-US" dirty="0"/>
           </a:p>
@@ -3602,7 +3614,7 @@
           <a:lstStyle/>
           <a:p>
             <a:r>
-              <a:rPr lang="zh-CN" altLang="en-US" smtClean="0"/>
+              <a:rPr lang="zh-CN" altLang="en-US"/>
               <a:t>单击此处编辑母版标题样式</a:t>
             </a:r>
             <a:endParaRPr lang="en-US" dirty="0"/>
@@ -3626,35 +3638,35 @@
           <a:p>
             <a:pPr lvl="0"/>
             <a:r>
-              <a:rPr lang="zh-CN" altLang="en-US" smtClean="0"/>
+              <a:rPr lang="zh-CN" altLang="en-US"/>
               <a:t>单击此处编辑母版文本样式</a:t>
             </a:r>
           </a:p>
           <a:p>
             <a:pPr lvl="1"/>
             <a:r>
-              <a:rPr lang="zh-CN" altLang="en-US" smtClean="0"/>
+              <a:rPr lang="zh-CN" altLang="en-US"/>
               <a:t>二级</a:t>
             </a:r>
           </a:p>
           <a:p>
             <a:pPr lvl="2"/>
             <a:r>
-              <a:rPr lang="zh-CN" altLang="en-US" smtClean="0"/>
+              <a:rPr lang="zh-CN" altLang="en-US"/>
               <a:t>三级</a:t>
             </a:r>
           </a:p>
           <a:p>
             <a:pPr lvl="3"/>
             <a:r>
-              <a:rPr lang="zh-CN" altLang="en-US" smtClean="0"/>
+              <a:rPr lang="zh-CN" altLang="en-US"/>
               <a:t>四级</a:t>
             </a:r>
           </a:p>
           <a:p>
             <a:pPr lvl="4"/>
             <a:r>
-              <a:rPr lang="zh-CN" altLang="en-US" smtClean="0"/>
+              <a:rPr lang="zh-CN" altLang="en-US"/>
               <a:t>五级</a:t>
             </a:r>
             <a:endParaRPr lang="en-US" dirty="0"/>
@@ -3678,7 +3690,7 @@
           <a:p>
             <a:fld id="{99916976-5D93-46E4-A98A-FAD63E4D0EA8}" type="datetimeFigureOut">
               <a:rPr lang="en-US" dirty="0"/>
-              <a:t>10/12/17</a:t>
+              <a:t>10/12/2017</a:t>
             </a:fld>
             <a:endParaRPr lang="en-US" dirty="0"/>
           </a:p>
@@ -3810,7 +3822,7 @@
           </a:lstStyle>
           <a:p>
             <a:r>
-              <a:rPr lang="zh-CN" altLang="en-US" smtClean="0"/>
+              <a:rPr lang="zh-CN" altLang="en-US"/>
               <a:t>单击此处编辑母版标题样式</a:t>
             </a:r>
             <a:endParaRPr lang="en-US" dirty="0"/>
@@ -3906,7 +3918,7 @@
           </a:lstStyle>
           <a:p>
             <a:r>
-              <a:rPr lang="zh-CN" altLang="en-US" smtClean="0"/>
+              <a:rPr lang="zh-CN" altLang="en-US"/>
               <a:t>单击此处编辑母版副标题样式</a:t>
             </a:r>
             <a:endParaRPr lang="en-US" dirty="0"/>
@@ -3930,7 +3942,7 @@
           <a:p>
             <a:fld id="{0F39F4F5-F4D2-4D2A-AB60-88D37ADCB869}" type="datetimeFigureOut">
               <a:rPr lang="en-US" dirty="0"/>
-              <a:t>10/12/17</a:t>
+              <a:t>10/12/2017</a:t>
             </a:fld>
             <a:endParaRPr lang="en-US" dirty="0"/>
           </a:p>
@@ -4019,7 +4031,7 @@
           <a:lstStyle/>
           <a:p>
             <a:r>
-              <a:rPr lang="zh-CN" altLang="en-US" smtClean="0"/>
+              <a:rPr lang="zh-CN" altLang="en-US"/>
               <a:t>单击此处编辑母版标题样式</a:t>
             </a:r>
             <a:endParaRPr lang="en-US" dirty="0"/>
@@ -4048,35 +4060,35 @@
           <a:p>
             <a:pPr lvl="0"/>
             <a:r>
-              <a:rPr lang="zh-CN" altLang="en-US" smtClean="0"/>
+              <a:rPr lang="zh-CN" altLang="en-US"/>
               <a:t>单击此处编辑母版文本样式</a:t>
             </a:r>
           </a:p>
           <a:p>
             <a:pPr lvl="1"/>
             <a:r>
-              <a:rPr lang="zh-CN" altLang="en-US" smtClean="0"/>
+              <a:rPr lang="zh-CN" altLang="en-US"/>
               <a:t>二级</a:t>
             </a:r>
           </a:p>
           <a:p>
             <a:pPr lvl="2"/>
             <a:r>
-              <a:rPr lang="zh-CN" altLang="en-US" smtClean="0"/>
+              <a:rPr lang="zh-CN" altLang="en-US"/>
               <a:t>三级</a:t>
             </a:r>
           </a:p>
           <a:p>
             <a:pPr lvl="3"/>
             <a:r>
-              <a:rPr lang="zh-CN" altLang="en-US" smtClean="0"/>
+              <a:rPr lang="zh-CN" altLang="en-US"/>
               <a:t>四级</a:t>
             </a:r>
           </a:p>
           <a:p>
             <a:pPr lvl="4"/>
             <a:r>
-              <a:rPr lang="zh-CN" altLang="en-US" smtClean="0"/>
+              <a:rPr lang="zh-CN" altLang="en-US"/>
               <a:t>五级</a:t>
             </a:r>
             <a:endParaRPr lang="en-US" dirty="0"/>
@@ -4105,35 +4117,35 @@
           <a:p>
             <a:pPr lvl="0"/>
             <a:r>
-              <a:rPr lang="zh-CN" altLang="en-US" smtClean="0"/>
+              <a:rPr lang="zh-CN" altLang="en-US"/>
               <a:t>单击此处编辑母版文本样式</a:t>
             </a:r>
           </a:p>
           <a:p>
             <a:pPr lvl="1"/>
             <a:r>
-              <a:rPr lang="zh-CN" altLang="en-US" smtClean="0"/>
+              <a:rPr lang="zh-CN" altLang="en-US"/>
               <a:t>二级</a:t>
             </a:r>
           </a:p>
           <a:p>
             <a:pPr lvl="2"/>
             <a:r>
-              <a:rPr lang="zh-CN" altLang="en-US" smtClean="0"/>
+              <a:rPr lang="zh-CN" altLang="en-US"/>
               <a:t>三级</a:t>
             </a:r>
           </a:p>
           <a:p>
             <a:pPr lvl="3"/>
             <a:r>
-              <a:rPr lang="zh-CN" altLang="en-US" smtClean="0"/>
+              <a:rPr lang="zh-CN" altLang="en-US"/>
               <a:t>四级</a:t>
             </a:r>
           </a:p>
           <a:p>
             <a:pPr lvl="4"/>
             <a:r>
-              <a:rPr lang="zh-CN" altLang="en-US" smtClean="0"/>
+              <a:rPr lang="zh-CN" altLang="en-US"/>
               <a:t>五级</a:t>
             </a:r>
             <a:endParaRPr lang="en-US" dirty="0"/>
@@ -4157,7 +4169,7 @@
           <a:p>
             <a:fld id="{D23BC6CE-6D1E-47E5-8859-F31AC5380EB2}" type="datetimeFigureOut">
               <a:rPr lang="en-US" dirty="0"/>
-              <a:t>10/12/17</a:t>
+              <a:t>10/12/2017</a:t>
             </a:fld>
             <a:endParaRPr lang="en-US" dirty="0"/>
           </a:p>
@@ -4251,7 +4263,7 @@
           <a:lstStyle/>
           <a:p>
             <a:r>
-              <a:rPr lang="zh-CN" altLang="en-US" smtClean="0"/>
+              <a:rPr lang="zh-CN" altLang="en-US"/>
               <a:t>单击此处编辑母版标题样式</a:t>
             </a:r>
             <a:endParaRPr lang="en-US" dirty="0"/>
@@ -4344,7 +4356,7 @@
           <a:p>
             <a:pPr lvl="0"/>
             <a:r>
-              <a:rPr lang="zh-CN" altLang="en-US" smtClean="0"/>
+              <a:rPr lang="zh-CN" altLang="en-US"/>
               <a:t>单击此处编辑母版文本样式</a:t>
             </a:r>
           </a:p>
@@ -4372,35 +4384,35 @@
           <a:p>
             <a:pPr lvl="0"/>
             <a:r>
-              <a:rPr lang="zh-CN" altLang="en-US" smtClean="0"/>
+              <a:rPr lang="zh-CN" altLang="en-US"/>
               <a:t>单击此处编辑母版文本样式</a:t>
             </a:r>
           </a:p>
           <a:p>
             <a:pPr lvl="1"/>
             <a:r>
-              <a:rPr lang="zh-CN" altLang="en-US" smtClean="0"/>
+              <a:rPr lang="zh-CN" altLang="en-US"/>
               <a:t>二级</a:t>
             </a:r>
           </a:p>
           <a:p>
             <a:pPr lvl="2"/>
             <a:r>
-              <a:rPr lang="zh-CN" altLang="en-US" smtClean="0"/>
+              <a:rPr lang="zh-CN" altLang="en-US"/>
               <a:t>三级</a:t>
             </a:r>
           </a:p>
           <a:p>
             <a:pPr lvl="3"/>
             <a:r>
-              <a:rPr lang="zh-CN" altLang="en-US" smtClean="0"/>
+              <a:rPr lang="zh-CN" altLang="en-US"/>
               <a:t>四级</a:t>
             </a:r>
           </a:p>
           <a:p>
             <a:pPr lvl="4"/>
             <a:r>
-              <a:rPr lang="zh-CN" altLang="en-US" smtClean="0"/>
+              <a:rPr lang="zh-CN" altLang="en-US"/>
               <a:t>五级</a:t>
             </a:r>
             <a:endParaRPr lang="en-US" dirty="0"/>
@@ -4465,7 +4477,7 @@
               <a:buNone/>
             </a:pPr>
             <a:r>
-              <a:rPr lang="zh-CN" altLang="en-US" smtClean="0"/>
+              <a:rPr lang="zh-CN" altLang="en-US"/>
               <a:t>单击此处编辑母版文本样式</a:t>
             </a:r>
           </a:p>
@@ -4493,35 +4505,35 @@
           <a:p>
             <a:pPr lvl="0"/>
             <a:r>
-              <a:rPr lang="zh-CN" altLang="en-US" smtClean="0"/>
+              <a:rPr lang="zh-CN" altLang="en-US"/>
               <a:t>单击此处编辑母版文本样式</a:t>
             </a:r>
           </a:p>
           <a:p>
             <a:pPr lvl="1"/>
             <a:r>
-              <a:rPr lang="zh-CN" altLang="en-US" smtClean="0"/>
+              <a:rPr lang="zh-CN" altLang="en-US"/>
               <a:t>二级</a:t>
             </a:r>
           </a:p>
           <a:p>
             <a:pPr lvl="2"/>
             <a:r>
-              <a:rPr lang="zh-CN" altLang="en-US" smtClean="0"/>
+              <a:rPr lang="zh-CN" altLang="en-US"/>
               <a:t>三级</a:t>
             </a:r>
           </a:p>
           <a:p>
             <a:pPr lvl="3"/>
             <a:r>
-              <a:rPr lang="zh-CN" altLang="en-US" smtClean="0"/>
+              <a:rPr lang="zh-CN" altLang="en-US"/>
               <a:t>四级</a:t>
             </a:r>
           </a:p>
           <a:p>
             <a:pPr lvl="4"/>
             <a:r>
-              <a:rPr lang="zh-CN" altLang="en-US" smtClean="0"/>
+              <a:rPr lang="zh-CN" altLang="en-US"/>
               <a:t>五级</a:t>
             </a:r>
             <a:endParaRPr lang="en-US" dirty="0"/>
@@ -4545,7 +4557,7 @@
           <a:p>
             <a:fld id="{B1B4E7C4-4DA4-404D-9965-B13F2DD7D8BF}" type="datetimeFigureOut">
               <a:rPr lang="en-US" dirty="0"/>
-              <a:t>10/12/17</a:t>
+              <a:t>10/12/2017</a:t>
             </a:fld>
             <a:endParaRPr lang="en-US" dirty="0"/>
           </a:p>
@@ -4634,7 +4646,7 @@
           <a:lstStyle/>
           <a:p>
             <a:r>
-              <a:rPr lang="zh-CN" altLang="en-US" smtClean="0"/>
+              <a:rPr lang="zh-CN" altLang="en-US"/>
               <a:t>单击此处编辑母版标题样式</a:t>
             </a:r>
             <a:endParaRPr lang="en-US" dirty="0"/>
@@ -4658,7 +4670,7 @@
           <a:p>
             <a:fld id="{476FB7AA-4A53-424F-AD41-70827B6504BA}" type="datetimeFigureOut">
               <a:rPr lang="en-US" dirty="0"/>
-              <a:t>10/12/17</a:t>
+              <a:t>10/12/2017</a:t>
             </a:fld>
             <a:endParaRPr lang="en-US" dirty="0"/>
           </a:p>
@@ -4748,7 +4760,7 @@
           <a:p>
             <a:fld id="{E7884882-FB12-4BC8-9960-9AD8104D7FAE}" type="datetimeFigureOut">
               <a:rPr lang="en-US" dirty="0"/>
-              <a:t>10/12/17</a:t>
+              <a:t>10/12/2017</a:t>
             </a:fld>
             <a:endParaRPr lang="en-US" dirty="0"/>
           </a:p>
@@ -4846,7 +4858,7 @@
           </a:lstStyle>
           <a:p>
             <a:r>
-              <a:rPr lang="zh-CN" altLang="en-US" smtClean="0"/>
+              <a:rPr lang="zh-CN" altLang="en-US"/>
               <a:t>单击此处编辑母版标题样式</a:t>
             </a:r>
             <a:endParaRPr lang="en-US" dirty="0"/>
@@ -4875,35 +4887,35 @@
           <a:p>
             <a:pPr lvl="0"/>
             <a:r>
-              <a:rPr lang="zh-CN" altLang="en-US" smtClean="0"/>
+              <a:rPr lang="zh-CN" altLang="en-US"/>
               <a:t>单击此处编辑母版文本样式</a:t>
             </a:r>
           </a:p>
           <a:p>
             <a:pPr lvl="1"/>
             <a:r>
-              <a:rPr lang="zh-CN" altLang="en-US" smtClean="0"/>
+              <a:rPr lang="zh-CN" altLang="en-US"/>
               <a:t>二级</a:t>
             </a:r>
           </a:p>
           <a:p>
             <a:pPr lvl="2"/>
             <a:r>
-              <a:rPr lang="zh-CN" altLang="en-US" smtClean="0"/>
+              <a:rPr lang="zh-CN" altLang="en-US"/>
               <a:t>三级</a:t>
             </a:r>
           </a:p>
           <a:p>
             <a:pPr lvl="3"/>
             <a:r>
-              <a:rPr lang="zh-CN" altLang="en-US" smtClean="0"/>
+              <a:rPr lang="zh-CN" altLang="en-US"/>
               <a:t>四级</a:t>
             </a:r>
           </a:p>
           <a:p>
             <a:pPr lvl="4"/>
             <a:r>
-              <a:rPr lang="zh-CN" altLang="en-US" smtClean="0"/>
+              <a:rPr lang="zh-CN" altLang="en-US"/>
               <a:t>五级</a:t>
             </a:r>
             <a:endParaRPr lang="en-US" dirty="0"/>
@@ -4993,7 +5005,7 @@
           <a:p>
             <a:pPr lvl="0"/>
             <a:r>
-              <a:rPr lang="zh-CN" altLang="en-US" smtClean="0"/>
+              <a:rPr lang="zh-CN" altLang="en-US"/>
               <a:t>单击此处编辑母版文本样式</a:t>
             </a:r>
           </a:p>
@@ -5016,7 +5028,7 @@
           <a:p>
             <a:fld id="{F7D1BD23-6E54-4D9D-AD88-A2813C73CC25}" type="datetimeFigureOut">
               <a:rPr lang="en-US" dirty="0"/>
-              <a:t>10/12/17</a:t>
+              <a:t>10/12/2017</a:t>
             </a:fld>
             <a:endParaRPr lang="en-US" dirty="0"/>
           </a:p>
@@ -5114,7 +5126,7 @@
           </a:lstStyle>
           <a:p>
             <a:r>
-              <a:rPr lang="zh-CN" altLang="en-US" smtClean="0"/>
+              <a:rPr lang="zh-CN" altLang="en-US"/>
               <a:t>单击此处编辑母版标题样式</a:t>
             </a:r>
             <a:endParaRPr lang="en-US" dirty="0"/>
@@ -5179,7 +5191,7 @@
           </a:lstStyle>
           <a:p>
             <a:r>
-              <a:rPr lang="zh-CN" altLang="en-US" smtClean="0"/>
+              <a:rPr lang="zh-CN" altLang="en-US"/>
               <a:t>将图片拖动到占位符，或单击添加图标</a:t>
             </a:r>
             <a:endParaRPr lang="en-US" dirty="0"/>
@@ -5269,7 +5281,7 @@
           <a:p>
             <a:pPr lvl="0"/>
             <a:r>
-              <a:rPr lang="zh-CN" altLang="en-US" smtClean="0"/>
+              <a:rPr lang="zh-CN" altLang="en-US"/>
               <a:t>单击此处编辑母版文本样式</a:t>
             </a:r>
           </a:p>
@@ -5292,7 +5304,7 @@
           <a:p>
             <a:fld id="{1471A834-4F3C-4AF9-9C74-05EC35A0F292}" type="datetimeFigureOut">
               <a:rPr lang="en-US" dirty="0"/>
-              <a:t>10/12/17</a:t>
+              <a:t>10/12/2017</a:t>
             </a:fld>
             <a:endParaRPr lang="en-US" dirty="0"/>
           </a:p>
@@ -5405,7 +5417,7 @@
           <a:lstStyle/>
           <a:p>
             <a:r>
-              <a:rPr lang="zh-CN" altLang="en-US" smtClean="0"/>
+              <a:rPr lang="zh-CN" altLang="en-US"/>
               <a:t>单击此处编辑母版标题样式</a:t>
             </a:r>
             <a:endParaRPr lang="en-US" dirty="0"/>
@@ -5439,35 +5451,35 @@
           <a:p>
             <a:pPr lvl="0"/>
             <a:r>
-              <a:rPr lang="en-US" smtClean="0"/>
+              <a:rPr lang="en-US"/>
               <a:t>Edit Master text styles</a:t>
             </a:r>
           </a:p>
           <a:p>
             <a:pPr lvl="1"/>
             <a:r>
-              <a:rPr lang="en-US" smtClean="0"/>
+              <a:rPr lang="en-US"/>
               <a:t>Second level</a:t>
             </a:r>
           </a:p>
           <a:p>
             <a:pPr lvl="2"/>
             <a:r>
-              <a:rPr lang="en-US" smtClean="0"/>
+              <a:rPr lang="en-US"/>
               <a:t>Third level</a:t>
             </a:r>
           </a:p>
           <a:p>
             <a:pPr lvl="3"/>
             <a:r>
-              <a:rPr lang="en-US" smtClean="0"/>
+              <a:rPr lang="en-US"/>
               <a:t>Fourth level</a:t>
             </a:r>
           </a:p>
           <a:p>
             <a:pPr lvl="4"/>
             <a:r>
-              <a:rPr lang="en-US" smtClean="0"/>
+              <a:rPr lang="en-US"/>
               <a:t>Fifth level</a:t>
             </a:r>
             <a:endParaRPr lang="en-US" dirty="0"/>
@@ -5527,7 +5539,7 @@
           <a:p>
             <a:fld id="{51CF1133-3259-4C45-BABA-5B62D9C6F78D}" type="datetimeFigureOut">
               <a:rPr lang="en-US" dirty="0"/>
-              <a:t>10/12/17</a:t>
+              <a:t>10/12/2017</a:t>
             </a:fld>
             <a:endParaRPr lang="en-US" dirty="0"/>
           </a:p>
@@ -6110,23 +6122,23 @@
           <a:p>
             <a:pPr algn="ctr"/>
             <a:r>
-              <a:rPr kumimoji="1" lang="zh-CN" altLang="en-US" sz="6600" dirty="0" smtClean="0"/>
+              <a:rPr kumimoji="1" lang="zh-CN" altLang="en-US" sz="6600" dirty="0"/>
               <a:t>第一组 </a:t>
             </a:r>
-            <a:endParaRPr kumimoji="1" lang="en-US" altLang="zh-CN" sz="6600" dirty="0" smtClean="0"/>
+            <a:endParaRPr kumimoji="1" lang="en-US" altLang="zh-CN" sz="6600" dirty="0"/>
           </a:p>
           <a:p>
             <a:pPr algn="ctr"/>
             <a:r>
-              <a:rPr kumimoji="1" lang="en-US" altLang="zh-CN" sz="6600" dirty="0" smtClean="0"/>
+              <a:rPr kumimoji="1" lang="en-US" altLang="zh-CN" sz="6600" dirty="0"/>
               <a:t>Weekly</a:t>
             </a:r>
             <a:r>
-              <a:rPr kumimoji="1" lang="zh-CN" altLang="en-US" sz="6600" dirty="0" smtClean="0"/>
+              <a:rPr kumimoji="1" lang="zh-CN" altLang="en-US" sz="6600" dirty="0"/>
               <a:t> </a:t>
             </a:r>
             <a:r>
-              <a:rPr kumimoji="1" lang="en-US" altLang="zh-CN" sz="6600" dirty="0" smtClean="0"/>
+              <a:rPr kumimoji="1" lang="en-US" altLang="zh-CN" sz="6600" dirty="0"/>
               <a:t>Report</a:t>
             </a:r>
             <a:endParaRPr kumimoji="1" lang="zh-CN" altLang="en-US" sz="6600" dirty="0"/>
@@ -6165,14 +6177,14 @@
       </p:grpSpPr>
       <p:sp>
         <p:nvSpPr>
-          <p:cNvPr id="5" name="文本框 4"/>
+          <p:cNvPr id="4" name="文本框 3"/>
           <p:cNvSpPr txBox="1"/>
           <p:nvPr/>
         </p:nvSpPr>
         <p:spPr>
           <a:xfrm>
-            <a:off x="2872293" y="2022438"/>
-            <a:ext cx="5787614" cy="2123658"/>
+            <a:off x="2947596" y="311973"/>
+            <a:ext cx="5787614" cy="769441"/>
           </a:xfrm>
           <a:prstGeom prst="rect">
             <a:avLst/>
@@ -6187,35 +6199,623 @@
           <a:p>
             <a:pPr algn="ctr"/>
             <a:r>
-              <a:rPr kumimoji="1" lang="en-US" altLang="zh-CN" sz="6600" dirty="0" smtClean="0"/>
+              <a:rPr kumimoji="1" lang="zh-CN" altLang="en-US" sz="4400" dirty="0"/>
+              <a:t>解决方法</a:t>
+            </a:r>
+            <a:r>
+              <a:rPr kumimoji="1" lang="en-US" altLang="zh-CN" sz="4400" dirty="0"/>
+              <a:t>1</a:t>
+            </a:r>
+            <a:endParaRPr kumimoji="1" lang="zh-CN" altLang="en-US" sz="4400" dirty="0"/>
+          </a:p>
+        </p:txBody>
+      </p:sp>
+      <p:sp>
+        <p:nvSpPr>
+          <p:cNvPr id="6" name="文本框 5"/>
+          <p:cNvSpPr txBox="1"/>
+          <p:nvPr/>
+        </p:nvSpPr>
+        <p:spPr>
+          <a:xfrm>
+            <a:off x="1034526" y="1497107"/>
+            <a:ext cx="10131911" cy="2062103"/>
+          </a:xfrm>
+          <a:prstGeom prst="rect">
+            <a:avLst/>
+          </a:prstGeom>
+          <a:noFill/>
+        </p:spPr>
+        <p:txBody>
+          <a:bodyPr wrap="square" rtlCol="0">
+            <a:spAutoFit/>
+          </a:bodyPr>
+          <a:lstStyle/>
+          <a:p>
+            <a:r>
+              <a:rPr kumimoji="1" lang="en-US" altLang="zh-CN" sz="3200" dirty="0"/>
+              <a:t>	</a:t>
+            </a:r>
+            <a:r>
+              <a:rPr kumimoji="1" lang="zh-CN" altLang="en-US" sz="3200" dirty="0"/>
+              <a:t>尽管资源较少，但综合了百度、</a:t>
+            </a:r>
+            <a:r>
+              <a:rPr kumimoji="1" lang="en-US" altLang="zh-CN" sz="3200" dirty="0"/>
+              <a:t>google</a:t>
+            </a:r>
+            <a:r>
+              <a:rPr kumimoji="1" lang="zh-CN" altLang="en-US" sz="3200" dirty="0"/>
+              <a:t>上的各类简易教程，尤其是</a:t>
+            </a:r>
+            <a:r>
+              <a:rPr kumimoji="1" lang="en-US" altLang="zh-CN" sz="3200" dirty="0" err="1"/>
+              <a:t>Stackoverflow</a:t>
+            </a:r>
+            <a:r>
+              <a:rPr kumimoji="1" lang="zh-CN" altLang="en-US" sz="3200" dirty="0"/>
+              <a:t> 中解答了大量关于安装运行以及各种报错的问题，顺利地在两三个小时内成功运行了</a:t>
+            </a:r>
+            <a:r>
+              <a:rPr kumimoji="1" lang="en-US" altLang="zh-CN" sz="3200" dirty="0"/>
+              <a:t>Lex</a:t>
+            </a:r>
+            <a:r>
+              <a:rPr kumimoji="1" lang="zh-CN" altLang="en-US" sz="3200" dirty="0"/>
+              <a:t>。</a:t>
+            </a:r>
+          </a:p>
+        </p:txBody>
+      </p:sp>
+    </p:spTree>
+    <p:extLst>
+      <p:ext uri="{BB962C8B-B14F-4D97-AF65-F5344CB8AC3E}">
+        <p14:creationId xmlns:p14="http://schemas.microsoft.com/office/powerpoint/2010/main" val="368084625"/>
+      </p:ext>
+    </p:extLst>
+  </p:cSld>
+  <p:clrMapOvr>
+    <a:masterClrMapping/>
+  </p:clrMapOvr>
+</p:sld>
+</file>
+
+<file path=ppt/slides/slide11.xml><?xml version="1.0" encoding="utf-8"?>
+<p:sld xmlns:a="http://schemas.openxmlformats.org/drawingml/2006/main" xmlns:r="http://schemas.openxmlformats.org/officeDocument/2006/relationships" xmlns:p="http://schemas.openxmlformats.org/presentationml/2006/main">
+  <p:cSld>
+    <p:spTree>
+      <p:nvGrpSpPr>
+        <p:cNvPr id="1" name=""/>
+        <p:cNvGrpSpPr/>
+        <p:nvPr/>
+      </p:nvGrpSpPr>
+      <p:grpSpPr>
+        <a:xfrm>
+          <a:off x="0" y="0"/>
+          <a:ext cx="0" cy="0"/>
+          <a:chOff x="0" y="0"/>
+          <a:chExt cx="0" cy="0"/>
+        </a:xfrm>
+      </p:grpSpPr>
+      <p:sp>
+        <p:nvSpPr>
+          <p:cNvPr id="4" name="文本框 3"/>
+          <p:cNvSpPr txBox="1"/>
+          <p:nvPr/>
+        </p:nvSpPr>
+        <p:spPr>
+          <a:xfrm>
+            <a:off x="2947596" y="311973"/>
+            <a:ext cx="5787614" cy="769441"/>
+          </a:xfrm>
+          <a:prstGeom prst="rect">
+            <a:avLst/>
+          </a:prstGeom>
+          <a:noFill/>
+        </p:spPr>
+        <p:txBody>
+          <a:bodyPr wrap="square" rtlCol="0">
+            <a:spAutoFit/>
+          </a:bodyPr>
+          <a:lstStyle/>
+          <a:p>
+            <a:pPr algn="ctr"/>
+            <a:r>
+              <a:rPr kumimoji="1" lang="zh-CN" altLang="en-US" sz="4400" dirty="0"/>
+              <a:t>解决方法</a:t>
+            </a:r>
+            <a:r>
+              <a:rPr kumimoji="1" lang="en-US" altLang="zh-CN" sz="4400" dirty="0"/>
+              <a:t>2</a:t>
+            </a:r>
+            <a:endParaRPr kumimoji="1" lang="zh-CN" altLang="en-US" sz="4400" dirty="0"/>
+          </a:p>
+        </p:txBody>
+      </p:sp>
+      <p:sp>
+        <p:nvSpPr>
+          <p:cNvPr id="6" name="文本框 5"/>
+          <p:cNvSpPr txBox="1"/>
+          <p:nvPr/>
+        </p:nvSpPr>
+        <p:spPr>
+          <a:xfrm>
+            <a:off x="1034526" y="1497107"/>
+            <a:ext cx="10131911" cy="4524315"/>
+          </a:xfrm>
+          <a:prstGeom prst="rect">
+            <a:avLst/>
+          </a:prstGeom>
+          <a:noFill/>
+        </p:spPr>
+        <p:txBody>
+          <a:bodyPr wrap="square" rtlCol="0">
+            <a:spAutoFit/>
+          </a:bodyPr>
+          <a:lstStyle/>
+          <a:p>
+            <a:r>
+              <a:rPr kumimoji="1" lang="en-US" altLang="zh-CN" sz="3200" dirty="0"/>
+              <a:t>	Lex</a:t>
+            </a:r>
+            <a:r>
+              <a:rPr kumimoji="1" lang="zh-CN" altLang="en-US" sz="3200" dirty="0"/>
+              <a:t>在扫描代码的时候，通过正则表达式提取各类字符串。正则表达式在网上的教程相对普遍易懂，配合在线正则表达式的测试工具即可掌握。</a:t>
+            </a:r>
+            <a:endParaRPr kumimoji="1" lang="en-US" altLang="zh-CN" sz="3200" dirty="0"/>
+          </a:p>
+          <a:p>
+            <a:r>
+              <a:rPr kumimoji="1" lang="en-US" altLang="zh-CN" sz="3200" dirty="0"/>
+              <a:t>	Lex</a:t>
+            </a:r>
+            <a:r>
+              <a:rPr kumimoji="1" lang="zh-CN" altLang="en-US" sz="3200" dirty="0"/>
+              <a:t>本身对于代码的格式（缩进、换行）有严格的要求，所以大部分功能都被编写进了头文件中。</a:t>
+            </a:r>
+            <a:endParaRPr kumimoji="1" lang="en-US" altLang="zh-CN" sz="3200" dirty="0"/>
+          </a:p>
+          <a:p>
+            <a:r>
+              <a:rPr kumimoji="1" lang="en-US" altLang="zh-CN" sz="3200" dirty="0"/>
+              <a:t>	</a:t>
+            </a:r>
+            <a:r>
+              <a:rPr kumimoji="1" lang="zh-CN" altLang="en-US" sz="3200" dirty="0"/>
+              <a:t>然而不知为何，我在</a:t>
+            </a:r>
+            <a:r>
+              <a:rPr kumimoji="1" lang="en-US" altLang="zh-CN" sz="3200" dirty="0"/>
+              <a:t>Lex</a:t>
+            </a:r>
+            <a:r>
+              <a:rPr kumimoji="1" lang="zh-CN" altLang="en-US" sz="3200" dirty="0"/>
+              <a:t>中无法使用指针，所以每次操作如果要修改全局变量，就必须不断地写一个函数提供一个返回值，然后在</a:t>
+            </a:r>
+            <a:r>
+              <a:rPr kumimoji="1" lang="en-US" altLang="zh-CN" sz="3200" dirty="0"/>
+              <a:t>Lex</a:t>
+            </a:r>
+            <a:r>
+              <a:rPr kumimoji="1" lang="zh-CN" altLang="en-US" sz="3200" dirty="0"/>
+              <a:t>的主体中通过返回值修改全局变量。</a:t>
+            </a:r>
+          </a:p>
+        </p:txBody>
+      </p:sp>
+    </p:spTree>
+    <p:extLst>
+      <p:ext uri="{BB962C8B-B14F-4D97-AF65-F5344CB8AC3E}">
+        <p14:creationId xmlns:p14="http://schemas.microsoft.com/office/powerpoint/2010/main" val="1070742345"/>
+      </p:ext>
+    </p:extLst>
+  </p:cSld>
+  <p:clrMapOvr>
+    <a:masterClrMapping/>
+  </p:clrMapOvr>
+</p:sld>
+</file>
+
+<file path=ppt/slides/slide12.xml><?xml version="1.0" encoding="utf-8"?>
+<p:sld xmlns:a="http://schemas.openxmlformats.org/drawingml/2006/main" xmlns:r="http://schemas.openxmlformats.org/officeDocument/2006/relationships" xmlns:p="http://schemas.openxmlformats.org/presentationml/2006/main">
+  <p:cSld>
+    <p:spTree>
+      <p:nvGrpSpPr>
+        <p:cNvPr id="1" name=""/>
+        <p:cNvGrpSpPr/>
+        <p:nvPr/>
+      </p:nvGrpSpPr>
+      <p:grpSpPr>
+        <a:xfrm>
+          <a:off x="0" y="0"/>
+          <a:ext cx="0" cy="0"/>
+          <a:chOff x="0" y="0"/>
+          <a:chExt cx="0" cy="0"/>
+        </a:xfrm>
+      </p:grpSpPr>
+      <p:sp>
+        <p:nvSpPr>
+          <p:cNvPr id="4" name="文本框 3"/>
+          <p:cNvSpPr txBox="1"/>
+          <p:nvPr/>
+        </p:nvSpPr>
+        <p:spPr>
+          <a:xfrm>
+            <a:off x="2958354" y="0"/>
+            <a:ext cx="5787614" cy="769441"/>
+          </a:xfrm>
+          <a:prstGeom prst="rect">
+            <a:avLst/>
+          </a:prstGeom>
+          <a:noFill/>
+        </p:spPr>
+        <p:txBody>
+          <a:bodyPr wrap="square" rtlCol="0">
+            <a:spAutoFit/>
+          </a:bodyPr>
+          <a:lstStyle/>
+          <a:p>
+            <a:pPr algn="ctr"/>
+            <a:r>
+              <a:rPr kumimoji="1" lang="en-US" altLang="zh-CN" sz="4400" dirty="0"/>
+              <a:t>Lex</a:t>
+            </a:r>
+            <a:r>
+              <a:rPr kumimoji="1" lang="zh-CN" altLang="en-US" sz="4400" dirty="0"/>
+              <a:t>代码概况</a:t>
+            </a:r>
+          </a:p>
+        </p:txBody>
+      </p:sp>
+      <p:pic>
+        <p:nvPicPr>
+          <p:cNvPr id="2" name="图片 1"/>
+          <p:cNvPicPr>
+            <a:picLocks noChangeAspect="1"/>
+          </p:cNvPicPr>
+          <p:nvPr/>
+        </p:nvPicPr>
+        <p:blipFill>
+          <a:blip r:embed="rId2">
+            <a:extLst>
+              <a:ext uri="{28A0092B-C50C-407E-A947-70E740481C1C}">
+                <a14:useLocalDpi xmlns:a14="http://schemas.microsoft.com/office/drawing/2010/main" val="0"/>
+              </a:ext>
+            </a:extLst>
+          </a:blip>
+          <a:stretch>
+            <a:fillRect/>
+          </a:stretch>
+        </p:blipFill>
+        <p:spPr>
+          <a:xfrm>
+            <a:off x="979694" y="769441"/>
+            <a:ext cx="10058400" cy="5869171"/>
+          </a:xfrm>
+          <a:prstGeom prst="rect">
+            <a:avLst/>
+          </a:prstGeom>
+        </p:spPr>
+      </p:pic>
+    </p:spTree>
+    <p:extLst>
+      <p:ext uri="{BB962C8B-B14F-4D97-AF65-F5344CB8AC3E}">
+        <p14:creationId xmlns:p14="http://schemas.microsoft.com/office/powerpoint/2010/main" val="1472553679"/>
+      </p:ext>
+    </p:extLst>
+  </p:cSld>
+  <p:clrMapOvr>
+    <a:masterClrMapping/>
+  </p:clrMapOvr>
+</p:sld>
+</file>
+
+<file path=ppt/slides/slide13.xml><?xml version="1.0" encoding="utf-8"?>
+<p:sld xmlns:a="http://schemas.openxmlformats.org/drawingml/2006/main" xmlns:r="http://schemas.openxmlformats.org/officeDocument/2006/relationships" xmlns:p="http://schemas.openxmlformats.org/presentationml/2006/main">
+  <p:cSld>
+    <p:spTree>
+      <p:nvGrpSpPr>
+        <p:cNvPr id="1" name=""/>
+        <p:cNvGrpSpPr/>
+        <p:nvPr/>
+      </p:nvGrpSpPr>
+      <p:grpSpPr>
+        <a:xfrm>
+          <a:off x="0" y="0"/>
+          <a:ext cx="0" cy="0"/>
+          <a:chOff x="0" y="0"/>
+          <a:chExt cx="0" cy="0"/>
+        </a:xfrm>
+      </p:grpSpPr>
+      <p:sp>
+        <p:nvSpPr>
+          <p:cNvPr id="4" name="文本框 3"/>
+          <p:cNvSpPr txBox="1"/>
+          <p:nvPr/>
+        </p:nvSpPr>
+        <p:spPr>
+          <a:xfrm>
+            <a:off x="2947596" y="311973"/>
+            <a:ext cx="6390042" cy="769441"/>
+          </a:xfrm>
+          <a:prstGeom prst="rect">
+            <a:avLst/>
+          </a:prstGeom>
+          <a:noFill/>
+        </p:spPr>
+        <p:txBody>
+          <a:bodyPr wrap="square" rtlCol="0">
+            <a:spAutoFit/>
+          </a:bodyPr>
+          <a:lstStyle/>
+          <a:p>
+            <a:pPr algn="ctr"/>
+            <a:r>
+              <a:rPr kumimoji="1" lang="en-US" altLang="zh-CN" sz="4400" dirty="0"/>
+              <a:t> </a:t>
+            </a:r>
+            <a:r>
+              <a:rPr kumimoji="1" lang="zh-CN" altLang="en-US" sz="4400" dirty="0"/>
+              <a:t>未解决的问题：</a:t>
+            </a:r>
+          </a:p>
+        </p:txBody>
+      </p:sp>
+      <p:sp>
+        <p:nvSpPr>
+          <p:cNvPr id="5" name="文本框 4"/>
+          <p:cNvSpPr txBox="1"/>
+          <p:nvPr/>
+        </p:nvSpPr>
+        <p:spPr>
+          <a:xfrm>
+            <a:off x="871370" y="1497107"/>
+            <a:ext cx="10510222" cy="4524315"/>
+          </a:xfrm>
+          <a:prstGeom prst="rect">
+            <a:avLst/>
+          </a:prstGeom>
+          <a:noFill/>
+        </p:spPr>
+        <p:txBody>
+          <a:bodyPr wrap="square" rtlCol="0">
+            <a:spAutoFit/>
+          </a:bodyPr>
+          <a:lstStyle/>
+          <a:p>
+            <a:r>
+              <a:rPr kumimoji="1" lang="en-US" altLang="zh-CN" sz="3200" dirty="0"/>
+              <a:t>	</a:t>
+            </a:r>
+            <a:r>
+              <a:rPr kumimoji="1" lang="zh-CN" altLang="en-US" sz="3200" dirty="0"/>
+              <a:t>目前作业中只涉及到了</a:t>
+            </a:r>
+            <a:r>
+              <a:rPr kumimoji="1" lang="en-US" altLang="zh-CN" sz="3200" dirty="0"/>
+              <a:t>if</a:t>
+            </a:r>
+            <a:r>
+              <a:rPr kumimoji="1" lang="zh-CN" altLang="en-US" sz="3200" dirty="0"/>
+              <a:t> </a:t>
+            </a:r>
+            <a:r>
+              <a:rPr kumimoji="1" lang="en-US" altLang="zh-CN" sz="3200" dirty="0"/>
+              <a:t>else</a:t>
+            </a:r>
+            <a:r>
+              <a:rPr kumimoji="1" lang="zh-CN" altLang="en-US" sz="3200" dirty="0"/>
+              <a:t>的控制，不知道是否还需要对</a:t>
+            </a:r>
+            <a:r>
+              <a:rPr kumimoji="1" lang="en-US" altLang="zh-CN" sz="3200" dirty="0"/>
+              <a:t>while</a:t>
+            </a:r>
+            <a:r>
+              <a:rPr kumimoji="1" lang="zh-CN" altLang="en-US" sz="3200" dirty="0"/>
+              <a:t>，</a:t>
+            </a:r>
+            <a:r>
+              <a:rPr kumimoji="1" lang="en-US" altLang="zh-CN" sz="3200" dirty="0"/>
+              <a:t>for</a:t>
+            </a:r>
+            <a:r>
+              <a:rPr kumimoji="1" lang="zh-CN" altLang="en-US" sz="3200" dirty="0"/>
+              <a:t>等进行编译。然而</a:t>
+            </a:r>
+            <a:r>
+              <a:rPr kumimoji="1" lang="en-US" altLang="zh-CN" sz="3200" dirty="0"/>
+              <a:t>if</a:t>
+            </a:r>
+            <a:r>
+              <a:rPr kumimoji="1" lang="zh-CN" altLang="en-US" sz="3200" dirty="0"/>
+              <a:t> </a:t>
+            </a:r>
+            <a:r>
+              <a:rPr kumimoji="1" lang="en-US" altLang="zh-CN" sz="3200" dirty="0"/>
+              <a:t>else</a:t>
+            </a:r>
+            <a:r>
+              <a:rPr kumimoji="1" lang="zh-CN" altLang="en-US" sz="3200" dirty="0"/>
+              <a:t>的编译我觉得非常复杂。因为在扫描到</a:t>
+            </a:r>
+            <a:r>
+              <a:rPr kumimoji="1" lang="en-US" altLang="zh-CN" sz="3200" dirty="0"/>
+              <a:t>if</a:t>
+            </a:r>
+            <a:r>
+              <a:rPr kumimoji="1" lang="zh-CN" altLang="en-US" sz="3200" dirty="0"/>
+              <a:t>结束的‘</a:t>
+            </a:r>
+            <a:r>
+              <a:rPr kumimoji="1" lang="en-US" altLang="zh-CN" sz="3200" dirty="0"/>
+              <a:t>}</a:t>
+            </a:r>
+            <a:r>
+              <a:rPr kumimoji="1" lang="zh-CN" altLang="en-US" sz="3200" dirty="0"/>
+              <a:t>’时，并不知道后面有没有</a:t>
+            </a:r>
+            <a:r>
+              <a:rPr kumimoji="1" lang="en-US" altLang="zh-CN" sz="3200" dirty="0"/>
+              <a:t>else</a:t>
+            </a:r>
+            <a:r>
+              <a:rPr kumimoji="1" lang="zh-CN" altLang="en-US" sz="3200" dirty="0"/>
+              <a:t>，但是输出中必须决定这里有没有“</a:t>
+            </a:r>
+            <a:r>
+              <a:rPr kumimoji="1" lang="en-US" altLang="zh-CN" sz="3200" dirty="0"/>
+              <a:t>&lt;/</a:t>
+            </a:r>
+            <a:r>
+              <a:rPr kumimoji="1" lang="en-US" altLang="zh-CN" sz="3200" dirty="0" err="1"/>
+              <a:t>ifstatement</a:t>
+            </a:r>
+            <a:r>
+              <a:rPr kumimoji="1" lang="en-US" altLang="zh-CN" sz="3200" dirty="0"/>
+              <a:t>&gt;</a:t>
+            </a:r>
+            <a:r>
+              <a:rPr kumimoji="1" lang="zh-CN" altLang="en-US" sz="3200" dirty="0"/>
+              <a:t>”。同时，由于</a:t>
+            </a:r>
+            <a:r>
+              <a:rPr kumimoji="1" lang="en-US" altLang="zh-CN" sz="3200" dirty="0"/>
+              <a:t>}</a:t>
+            </a:r>
+            <a:r>
+              <a:rPr kumimoji="1" lang="zh-CN" altLang="en-US" sz="3200" dirty="0"/>
+              <a:t>在“</a:t>
+            </a:r>
+            <a:r>
+              <a:rPr kumimoji="1" lang="en-US" altLang="zh-CN" sz="3200" dirty="0"/>
+              <a:t>class</a:t>
+            </a:r>
+            <a:r>
+              <a:rPr kumimoji="1" lang="zh-CN" altLang="en-US" sz="3200" dirty="0"/>
+              <a:t>”，“</a:t>
+            </a:r>
+            <a:r>
+              <a:rPr kumimoji="1" lang="en-US" altLang="zh-CN" sz="3200" dirty="0"/>
+              <a:t>function</a:t>
+            </a:r>
+            <a:r>
+              <a:rPr kumimoji="1" lang="zh-CN" altLang="en-US" sz="3200" dirty="0"/>
+              <a:t>”，“</a:t>
+            </a:r>
+            <a:r>
+              <a:rPr kumimoji="1" lang="en-US" altLang="zh-CN" sz="3200" dirty="0"/>
+              <a:t>if</a:t>
+            </a:r>
+            <a:r>
+              <a:rPr kumimoji="1" lang="zh-CN" altLang="en-US" sz="3200" dirty="0"/>
+              <a:t> </a:t>
+            </a:r>
+            <a:r>
+              <a:rPr kumimoji="1" lang="en-US" altLang="zh-CN" sz="3200" dirty="0"/>
+              <a:t>else</a:t>
+            </a:r>
+            <a:r>
+              <a:rPr kumimoji="1" lang="zh-CN" altLang="en-US" sz="3200" dirty="0"/>
+              <a:t>”中都有使用，但其正则表达式所对应的函数只有一个，于是需要设置大量的变量和复杂的判定。</a:t>
+            </a:r>
+            <a:endParaRPr kumimoji="1" lang="en-US" altLang="zh-CN" sz="3200" dirty="0"/>
+          </a:p>
+          <a:p>
+            <a:r>
+              <a:rPr kumimoji="1" lang="en-US" altLang="zh-CN" sz="3200" dirty="0"/>
+              <a:t>	</a:t>
+            </a:r>
+            <a:r>
+              <a:rPr kumimoji="1" lang="zh-CN" altLang="en-US" sz="3200" dirty="0"/>
+              <a:t>目前这部分还存在一两处细节上的处理问题，有待以后加以解决。 </a:t>
+            </a:r>
+          </a:p>
+        </p:txBody>
+      </p:sp>
+    </p:spTree>
+    <p:extLst>
+      <p:ext uri="{BB962C8B-B14F-4D97-AF65-F5344CB8AC3E}">
+        <p14:creationId xmlns:p14="http://schemas.microsoft.com/office/powerpoint/2010/main" val="1378047339"/>
+      </p:ext>
+    </p:extLst>
+  </p:cSld>
+  <p:clrMapOvr>
+    <a:masterClrMapping/>
+  </p:clrMapOvr>
+</p:sld>
+</file>
+
+<file path=ppt/slides/slide14.xml><?xml version="1.0" encoding="utf-8"?>
+<p:sld xmlns:a="http://schemas.openxmlformats.org/drawingml/2006/main" xmlns:r="http://schemas.openxmlformats.org/officeDocument/2006/relationships" xmlns:p="http://schemas.openxmlformats.org/presentationml/2006/main">
+  <p:cSld>
+    <p:spTree>
+      <p:nvGrpSpPr>
+        <p:cNvPr id="1" name=""/>
+        <p:cNvGrpSpPr/>
+        <p:nvPr/>
+      </p:nvGrpSpPr>
+      <p:grpSpPr>
+        <a:xfrm>
+          <a:off x="0" y="0"/>
+          <a:ext cx="0" cy="0"/>
+          <a:chOff x="0" y="0"/>
+          <a:chExt cx="0" cy="0"/>
+        </a:xfrm>
+      </p:grpSpPr>
+      <p:sp>
+        <p:nvSpPr>
+          <p:cNvPr id="5" name="文本框 4"/>
+          <p:cNvSpPr txBox="1"/>
+          <p:nvPr/>
+        </p:nvSpPr>
+        <p:spPr>
+          <a:xfrm>
+            <a:off x="2872293" y="2022438"/>
+            <a:ext cx="5787614" cy="2123658"/>
+          </a:xfrm>
+          <a:prstGeom prst="rect">
+            <a:avLst/>
+          </a:prstGeom>
+          <a:noFill/>
+        </p:spPr>
+        <p:txBody>
+          <a:bodyPr wrap="square" rtlCol="0">
+            <a:spAutoFit/>
+          </a:bodyPr>
+          <a:lstStyle/>
+          <a:p>
+            <a:pPr algn="ctr"/>
+            <a:r>
+              <a:rPr kumimoji="1" lang="en-US" altLang="zh-CN" sz="6600" dirty="0"/>
               <a:t>Thanks</a:t>
             </a:r>
             <a:r>
-              <a:rPr kumimoji="1" lang="zh-CN" altLang="en-US" sz="6600" dirty="0" smtClean="0"/>
+              <a:rPr kumimoji="1" lang="zh-CN" altLang="en-US" sz="6600" dirty="0"/>
               <a:t> </a:t>
             </a:r>
             <a:r>
-              <a:rPr kumimoji="1" lang="en-US" altLang="zh-CN" sz="6600" dirty="0" smtClean="0"/>
+              <a:rPr kumimoji="1" lang="en-US" altLang="zh-CN" sz="6600" dirty="0"/>
               <a:t>For</a:t>
             </a:r>
             <a:r>
-              <a:rPr kumimoji="1" lang="zh-CN" altLang="en-US" sz="6600" dirty="0" smtClean="0"/>
+              <a:rPr kumimoji="1" lang="zh-CN" altLang="en-US" sz="6600" dirty="0"/>
               <a:t> </a:t>
             </a:r>
-            <a:endParaRPr kumimoji="1" lang="en-US" altLang="zh-CN" sz="6600" dirty="0" smtClean="0"/>
+            <a:endParaRPr kumimoji="1" lang="en-US" altLang="zh-CN" sz="6600" dirty="0"/>
           </a:p>
           <a:p>
             <a:pPr algn="ctr"/>
             <a:r>
-              <a:rPr kumimoji="1" lang="en-US" altLang="zh-CN" sz="6600" dirty="0" smtClean="0"/>
+              <a:rPr kumimoji="1" lang="en-US" altLang="zh-CN" sz="6600" dirty="0"/>
               <a:t>Your</a:t>
             </a:r>
             <a:r>
-              <a:rPr kumimoji="1" lang="zh-CN" altLang="en-US" sz="6600" dirty="0" smtClean="0"/>
+              <a:rPr kumimoji="1" lang="zh-CN" altLang="en-US" sz="6600" dirty="0"/>
               <a:t> </a:t>
             </a:r>
             <a:r>
-              <a:rPr kumimoji="1" lang="en-US" altLang="zh-CN" sz="6600" dirty="0" smtClean="0"/>
+              <a:rPr kumimoji="1" lang="en-US" altLang="zh-CN" sz="6600" dirty="0"/>
               <a:t>Time</a:t>
             </a:r>
             <a:endParaRPr kumimoji="1" lang="zh-CN" altLang="en-US" sz="6600" dirty="0"/>
@@ -6252,12 +6852,52 @@
           <a:chExt cx="0" cy="0"/>
         </a:xfrm>
       </p:grpSpPr>
+      <p:sp>
+        <p:nvSpPr>
+          <p:cNvPr id="4" name="文本框 3">
+            <a:extLst>
+              <a:ext uri="{FF2B5EF4-FFF2-40B4-BE49-F238E27FC236}">
+                <a16:creationId xmlns:a16="http://schemas.microsoft.com/office/drawing/2014/main" id="{C314C461-9C79-4B63-AA4D-DA8C23580CCF}"/>
+              </a:ext>
+            </a:extLst>
+          </p:cNvPr>
+          <p:cNvSpPr txBox="1"/>
+          <p:nvPr/>
+        </p:nvSpPr>
+        <p:spPr>
+          <a:xfrm>
+            <a:off x="2947596" y="311973"/>
+            <a:ext cx="5787614" cy="769441"/>
+          </a:xfrm>
+          <a:prstGeom prst="rect">
+            <a:avLst/>
+          </a:prstGeom>
+          <a:noFill/>
+        </p:spPr>
+        <p:txBody>
+          <a:bodyPr wrap="square" rtlCol="0">
+            <a:spAutoFit/>
+          </a:bodyPr>
+          <a:lstStyle/>
+          <a:p>
+            <a:pPr algn="ctr"/>
+            <a:r>
+              <a:rPr kumimoji="1" lang="en-US" altLang="zh-CN" sz="4400" dirty="0"/>
+              <a:t>GitHub </a:t>
+            </a:r>
+            <a:r>
+              <a:rPr kumimoji="1" lang="zh-CN" altLang="en-US" sz="4400" dirty="0"/>
+              <a:t>修改内容</a:t>
+            </a:r>
+          </a:p>
+        </p:txBody>
+      </p:sp>
       <p:pic>
         <p:nvPicPr>
-          <p:cNvPr id="10" name="图片 9">
+          <p:cNvPr id="5" name="图片 4">
             <a:extLst>
               <a:ext uri="{FF2B5EF4-FFF2-40B4-BE49-F238E27FC236}">
-                <a16:creationId xmlns:a16="http://schemas.microsoft.com/office/drawing/2014/main" xmlns="" id="{B0480AC6-6239-4042-BA30-D74630B66DC9}"/>
+                <a16:creationId xmlns:a16="http://schemas.microsoft.com/office/drawing/2014/main" id="{C17791DF-294F-4080-AF58-F8C278E9F5A1}"/>
               </a:ext>
             </a:extLst>
           </p:cNvPr>
@@ -6267,33 +6907,57 @@
           <p:nvPr/>
         </p:nvPicPr>
         <p:blipFill>
-          <a:blip r:embed="rId2">
-            <a:extLst>
-              <a:ext uri="{28A0092B-C50C-407E-A947-70E740481C1C}">
-                <a14:useLocalDpi xmlns:a14="http://schemas.microsoft.com/office/drawing/2010/main" val="0"/>
-              </a:ext>
-            </a:extLst>
-          </a:blip>
+          <a:blip r:embed="rId2"/>
           <a:stretch>
             <a:fillRect/>
           </a:stretch>
         </p:blipFill>
         <p:spPr>
           <a:xfrm>
-            <a:off x="29032" y="0"/>
-            <a:ext cx="12133935" cy="6858000"/>
+            <a:off x="479202" y="1286107"/>
+            <a:ext cx="7216765" cy="922100"/>
           </a:xfrm>
           <a:prstGeom prst="rect">
             <a:avLst/>
           </a:prstGeom>
         </p:spPr>
       </p:pic>
-      <p:sp>
-        <p:nvSpPr>
-          <p:cNvPr id="13" name="文本框 12">
+      <p:pic>
+        <p:nvPicPr>
+          <p:cNvPr id="6" name="图片 5">
             <a:extLst>
               <a:ext uri="{FF2B5EF4-FFF2-40B4-BE49-F238E27FC236}">
-                <a16:creationId xmlns:a16="http://schemas.microsoft.com/office/drawing/2014/main" xmlns="" id="{73C0D581-E03A-44EC-AD0B-EF9085D2D511}"/>
+                <a16:creationId xmlns:a16="http://schemas.microsoft.com/office/drawing/2014/main" id="{2D4A4E99-B3E8-44E8-9056-481DC5C19DA1}"/>
+              </a:ext>
+            </a:extLst>
+          </p:cNvPr>
+          <p:cNvPicPr>
+            <a:picLocks noChangeAspect="1"/>
+          </p:cNvPicPr>
+          <p:nvPr/>
+        </p:nvPicPr>
+        <p:blipFill>
+          <a:blip r:embed="rId3"/>
+          <a:stretch>
+            <a:fillRect/>
+          </a:stretch>
+        </p:blipFill>
+        <p:spPr>
+          <a:xfrm>
+            <a:off x="479202" y="2662027"/>
+            <a:ext cx="7437765" cy="1729890"/>
+          </a:xfrm>
+          <a:prstGeom prst="rect">
+            <a:avLst/>
+          </a:prstGeom>
+        </p:spPr>
+      </p:pic>
+      <p:sp>
+        <p:nvSpPr>
+          <p:cNvPr id="7" name="文本框 6">
+            <a:extLst>
+              <a:ext uri="{FF2B5EF4-FFF2-40B4-BE49-F238E27FC236}">
+                <a16:creationId xmlns:a16="http://schemas.microsoft.com/office/drawing/2014/main" id="{89465A4C-4745-4114-BCA9-4D99314450C3}"/>
               </a:ext>
             </a:extLst>
           </p:cNvPr>
@@ -6302,8 +6966,8 @@
         </p:nvSpPr>
         <p:spPr>
           <a:xfrm>
-            <a:off x="2846567" y="485030"/>
-            <a:ext cx="184731" cy="369332"/>
+            <a:off x="8522617" y="1286107"/>
+            <a:ext cx="2825739" cy="1569660"/>
           </a:xfrm>
           <a:prstGeom prst="rect">
             <a:avLst/>
@@ -6311,21 +6975,44 @@
           <a:noFill/>
         </p:spPr>
         <p:txBody>
-          <a:bodyPr wrap="none" rtlCol="0">
+          <a:bodyPr wrap="square" rtlCol="0">
             <a:spAutoFit/>
           </a:bodyPr>
           <a:lstStyle/>
           <a:p>
-            <a:endParaRPr lang="zh-CN" altLang="en-US" dirty="0"/>
-          </a:p>
-        </p:txBody>
-      </p:sp>
-      <p:sp>
-        <p:nvSpPr>
-          <p:cNvPr id="14" name="文本框 13">
+            <a:r>
+              <a:rPr kumimoji="1" lang="zh-CN" altLang="en-US" sz="3200" dirty="0"/>
+              <a:t>郑炜熹</a:t>
+            </a:r>
+            <a:r>
+              <a:rPr kumimoji="1" lang="en-US" altLang="zh-CN" sz="3200" dirty="0"/>
+              <a:t>:Project 1</a:t>
+            </a:r>
+            <a:r>
+              <a:rPr kumimoji="1" lang="zh-CN" altLang="en-US" sz="3200" dirty="0"/>
+              <a:t>的</a:t>
+            </a:r>
+            <a:r>
+              <a:rPr kumimoji="1" lang="en-US" altLang="zh-CN" sz="3200" dirty="0" err="1"/>
+              <a:t>src</a:t>
+            </a:r>
+            <a:r>
+              <a:rPr kumimoji="1" lang="en-US" altLang="zh-CN" sz="3200" dirty="0"/>
+              <a:t>, </a:t>
+            </a:r>
+            <a:r>
+              <a:rPr kumimoji="1" lang="zh-CN" altLang="en-US" sz="3200" dirty="0"/>
+              <a:t>小组学习报告</a:t>
+            </a:r>
+          </a:p>
+        </p:txBody>
+      </p:sp>
+      <p:sp>
+        <p:nvSpPr>
+          <p:cNvPr id="8" name="文本框 7">
             <a:extLst>
               <a:ext uri="{FF2B5EF4-FFF2-40B4-BE49-F238E27FC236}">
-                <a16:creationId xmlns:a16="http://schemas.microsoft.com/office/drawing/2014/main" xmlns="" id="{5CDFFF60-E175-4E5E-A1A2-83942868ECD8}"/>
+                <a16:creationId xmlns:a16="http://schemas.microsoft.com/office/drawing/2014/main" id="{800444EF-70B6-463C-99F1-BFDA4BC569B1}"/>
               </a:ext>
             </a:extLst>
           </p:cNvPr>
@@ -6334,8 +7021,8 @@
         </p:nvSpPr>
         <p:spPr>
           <a:xfrm>
-            <a:off x="2397317" y="317808"/>
-            <a:ext cx="898500" cy="461665"/>
+            <a:off x="8522617" y="2855767"/>
+            <a:ext cx="2825739" cy="2062103"/>
           </a:xfrm>
           <a:prstGeom prst="rect">
             <a:avLst/>
@@ -6349,825 +7036,40 @@
           <a:lstStyle/>
           <a:p>
             <a:r>
-              <a:rPr lang="zh-CN" altLang="en-US" sz="2400" b="1" dirty="0"/>
-              <a:t>背景</a:t>
-            </a:r>
-          </a:p>
-        </p:txBody>
-      </p:sp>
-      <p:sp>
-        <p:nvSpPr>
-          <p:cNvPr id="15" name="文本框 14">
-            <a:extLst>
-              <a:ext uri="{FF2B5EF4-FFF2-40B4-BE49-F238E27FC236}">
-                <a16:creationId xmlns:a16="http://schemas.microsoft.com/office/drawing/2014/main" xmlns="" id="{E0816C46-525A-4151-BCE4-16288B391D46}"/>
-              </a:ext>
-            </a:extLst>
-          </p:cNvPr>
-          <p:cNvSpPr txBox="1"/>
-          <p:nvPr/>
-        </p:nvSpPr>
-        <p:spPr>
-          <a:xfrm>
-            <a:off x="3967702" y="269587"/>
-            <a:ext cx="6694998" cy="584775"/>
-          </a:xfrm>
-          <a:prstGeom prst="rect">
-            <a:avLst/>
-          </a:prstGeom>
-          <a:noFill/>
-        </p:spPr>
-        <p:txBody>
-          <a:bodyPr wrap="square" rtlCol="0">
-            <a:spAutoFit/>
-          </a:bodyPr>
-          <a:lstStyle/>
-          <a:p>
-            <a:r>
-              <a:rPr lang="en-US" altLang="zh-CN" sz="1600" dirty="0"/>
-              <a:t>1.</a:t>
-            </a:r>
-            <a:r>
-              <a:rPr lang="zh-CN" altLang="en-US" sz="1600" dirty="0"/>
-              <a:t>小组刚成立，对组员彼此不是特别熟悉</a:t>
-            </a:r>
-          </a:p>
-          <a:p>
-            <a:r>
-              <a:rPr lang="en-US" altLang="zh-CN" sz="1600" dirty="0"/>
-              <a:t>2.</a:t>
-            </a:r>
-            <a:r>
-              <a:rPr lang="zh-CN" altLang="en-US" sz="1600" dirty="0"/>
-              <a:t>第一周部分组员已经开始学习</a:t>
-            </a:r>
-            <a:r>
-              <a:rPr lang="en-US" altLang="zh-CN" sz="1600" dirty="0"/>
-              <a:t>Project 1,2,3</a:t>
-            </a:r>
-            <a:r>
-              <a:rPr lang="zh-CN" altLang="en-US" sz="1600" dirty="0"/>
-              <a:t>的内容</a:t>
-            </a:r>
-          </a:p>
-        </p:txBody>
-      </p:sp>
-      <p:sp>
-        <p:nvSpPr>
-          <p:cNvPr id="17" name="矩形 16">
-            <a:extLst>
-              <a:ext uri="{FF2B5EF4-FFF2-40B4-BE49-F238E27FC236}">
-                <a16:creationId xmlns:a16="http://schemas.microsoft.com/office/drawing/2014/main" xmlns="" id="{504F3BE8-B985-408C-A351-30E84024C918}"/>
-              </a:ext>
-            </a:extLst>
-          </p:cNvPr>
-          <p:cNvSpPr/>
-          <p:nvPr/>
-        </p:nvSpPr>
-        <p:spPr>
-          <a:xfrm>
-            <a:off x="9856968" y="2485634"/>
-            <a:ext cx="1611464" cy="2308324"/>
-          </a:xfrm>
-          <a:prstGeom prst="rect">
-            <a:avLst/>
-          </a:prstGeom>
-        </p:spPr>
-        <p:txBody>
-          <a:bodyPr wrap="square">
-            <a:spAutoFit/>
-          </a:bodyPr>
-          <a:lstStyle/>
-          <a:p>
-            <a:r>
-              <a:rPr lang="zh-CN" altLang="en-US" dirty="0"/>
-              <a:t>上课内容，教材，</a:t>
-            </a:r>
-            <a:r>
-              <a:rPr lang="en-US" altLang="zh-CN" dirty="0"/>
-              <a:t>Git</a:t>
-            </a:r>
-            <a:r>
-              <a:rPr lang="zh-CN" altLang="en-US" dirty="0"/>
-              <a:t>简易教程，</a:t>
-            </a:r>
-            <a:r>
-              <a:rPr lang="en-US" altLang="zh-CN" dirty="0"/>
-              <a:t>Wiki</a:t>
-            </a:r>
-            <a:r>
-              <a:rPr lang="zh-CN" altLang="en-US" dirty="0"/>
-              <a:t>语法教程，</a:t>
-            </a:r>
-            <a:r>
-              <a:rPr lang="en-US" altLang="zh-CN" dirty="0"/>
-              <a:t>GitHub</a:t>
-            </a:r>
-            <a:r>
-              <a:rPr lang="zh-CN" altLang="en-US" dirty="0"/>
-              <a:t>网站</a:t>
-            </a:r>
-            <a:r>
-              <a:rPr lang="zh-CN" altLang="en-US" dirty="0" smtClean="0"/>
-              <a:t>，</a:t>
-            </a:r>
-            <a:r>
-              <a:rPr lang="en-US" altLang="zh-CN" dirty="0" smtClean="0"/>
-              <a:t>Nand2Tetris</a:t>
-            </a:r>
-            <a:r>
-              <a:rPr lang="zh-CN" altLang="en-US" dirty="0"/>
-              <a:t>课程</a:t>
-            </a:r>
-            <a:r>
-              <a:rPr lang="zh-CN" altLang="en-US" dirty="0" smtClean="0"/>
-              <a:t>网站</a:t>
-            </a:r>
-            <a:r>
-              <a:rPr lang="en-US" altLang="zh-CN" dirty="0" err="1" smtClean="0"/>
-              <a:t>Stackoverflow</a:t>
-            </a:r>
-            <a:endParaRPr lang="zh-CN" altLang="en-US" dirty="0"/>
-          </a:p>
-        </p:txBody>
-      </p:sp>
-      <p:sp>
-        <p:nvSpPr>
-          <p:cNvPr id="18" name="文本框 17">
-            <a:extLst>
-              <a:ext uri="{FF2B5EF4-FFF2-40B4-BE49-F238E27FC236}">
-                <a16:creationId xmlns:a16="http://schemas.microsoft.com/office/drawing/2014/main" xmlns="" id="{D29AB533-4743-4ADC-A3B0-60435282A9A4}"/>
-              </a:ext>
-            </a:extLst>
-          </p:cNvPr>
-          <p:cNvSpPr txBox="1"/>
-          <p:nvPr/>
-        </p:nvSpPr>
-        <p:spPr>
-          <a:xfrm>
-            <a:off x="2397317" y="1097281"/>
-            <a:ext cx="800219" cy="461665"/>
-          </a:xfrm>
-          <a:prstGeom prst="rect">
-            <a:avLst/>
-          </a:prstGeom>
-          <a:noFill/>
-        </p:spPr>
-        <p:txBody>
-          <a:bodyPr wrap="none" rtlCol="0">
-            <a:spAutoFit/>
-          </a:bodyPr>
-          <a:lstStyle/>
-          <a:p>
-            <a:r>
-              <a:rPr lang="zh-CN" altLang="en-US" sz="2400" b="1" dirty="0"/>
-              <a:t>目标</a:t>
-            </a:r>
-          </a:p>
-        </p:txBody>
-      </p:sp>
-      <p:sp>
-        <p:nvSpPr>
-          <p:cNvPr id="19" name="文本框 18">
-            <a:extLst>
-              <a:ext uri="{FF2B5EF4-FFF2-40B4-BE49-F238E27FC236}">
-                <a16:creationId xmlns:a16="http://schemas.microsoft.com/office/drawing/2014/main" xmlns="" id="{3243E392-7BD9-415A-AE62-A5F26FC0B63D}"/>
-              </a:ext>
-            </a:extLst>
-          </p:cNvPr>
-          <p:cNvSpPr txBox="1"/>
-          <p:nvPr/>
-        </p:nvSpPr>
-        <p:spPr>
-          <a:xfrm>
-            <a:off x="7690236" y="1956021"/>
-            <a:ext cx="800219" cy="461665"/>
-          </a:xfrm>
-          <a:prstGeom prst="rect">
-            <a:avLst/>
-          </a:prstGeom>
-          <a:noFill/>
-        </p:spPr>
-        <p:txBody>
-          <a:bodyPr wrap="none" rtlCol="0">
-            <a:spAutoFit/>
-          </a:bodyPr>
-          <a:lstStyle/>
-          <a:p>
-            <a:r>
-              <a:rPr lang="zh-CN" altLang="en-US" sz="2400" b="1" dirty="0"/>
-              <a:t>过程</a:t>
-            </a:r>
-          </a:p>
-        </p:txBody>
-      </p:sp>
-      <p:sp>
-        <p:nvSpPr>
-          <p:cNvPr id="20" name="文本框 19">
-            <a:extLst>
-              <a:ext uri="{FF2B5EF4-FFF2-40B4-BE49-F238E27FC236}">
-                <a16:creationId xmlns:a16="http://schemas.microsoft.com/office/drawing/2014/main" xmlns="" id="{5924EC8A-E927-445B-B081-99FC298D660F}"/>
-              </a:ext>
-            </a:extLst>
-          </p:cNvPr>
-          <p:cNvSpPr txBox="1"/>
-          <p:nvPr/>
-        </p:nvSpPr>
-        <p:spPr>
-          <a:xfrm>
-            <a:off x="5155095" y="1956020"/>
-            <a:ext cx="800219" cy="461665"/>
-          </a:xfrm>
-          <a:prstGeom prst="rect">
-            <a:avLst/>
-          </a:prstGeom>
-          <a:noFill/>
-        </p:spPr>
-        <p:txBody>
-          <a:bodyPr wrap="none" rtlCol="0">
-            <a:spAutoFit/>
-          </a:bodyPr>
-          <a:lstStyle/>
-          <a:p>
-            <a:r>
-              <a:rPr lang="zh-CN" altLang="en-US" sz="2400" b="1" dirty="0"/>
-              <a:t>输出</a:t>
-            </a:r>
-          </a:p>
-        </p:txBody>
-      </p:sp>
-      <p:sp>
-        <p:nvSpPr>
-          <p:cNvPr id="21" name="文本框 20">
-            <a:extLst>
-              <a:ext uri="{FF2B5EF4-FFF2-40B4-BE49-F238E27FC236}">
-                <a16:creationId xmlns:a16="http://schemas.microsoft.com/office/drawing/2014/main" xmlns="" id="{5BEBC9F5-D10E-43C0-BAC8-A98976EE18F4}"/>
-              </a:ext>
-            </a:extLst>
-          </p:cNvPr>
-          <p:cNvSpPr txBox="1"/>
-          <p:nvPr/>
-        </p:nvSpPr>
-        <p:spPr>
-          <a:xfrm>
-            <a:off x="2659306" y="1956020"/>
-            <a:ext cx="800219" cy="461665"/>
-          </a:xfrm>
-          <a:prstGeom prst="rect">
-            <a:avLst/>
-          </a:prstGeom>
-          <a:noFill/>
-        </p:spPr>
-        <p:txBody>
-          <a:bodyPr wrap="none" rtlCol="0">
-            <a:spAutoFit/>
-          </a:bodyPr>
-          <a:lstStyle/>
-          <a:p>
-            <a:r>
-              <a:rPr lang="zh-CN" altLang="en-US" sz="2400" b="1" dirty="0"/>
-              <a:t>效果</a:t>
-            </a:r>
-          </a:p>
-        </p:txBody>
-      </p:sp>
-      <p:sp>
-        <p:nvSpPr>
-          <p:cNvPr id="22" name="文本框 21">
-            <a:extLst>
-              <a:ext uri="{FF2B5EF4-FFF2-40B4-BE49-F238E27FC236}">
-                <a16:creationId xmlns:a16="http://schemas.microsoft.com/office/drawing/2014/main" xmlns="" id="{9350327F-C1D8-43CC-88FA-47B62BF50C3A}"/>
-              </a:ext>
-            </a:extLst>
-          </p:cNvPr>
-          <p:cNvSpPr txBox="1"/>
-          <p:nvPr/>
-        </p:nvSpPr>
-        <p:spPr>
-          <a:xfrm>
-            <a:off x="10262590" y="1949769"/>
-            <a:ext cx="800219" cy="461665"/>
-          </a:xfrm>
-          <a:prstGeom prst="rect">
-            <a:avLst/>
-          </a:prstGeom>
-          <a:noFill/>
-        </p:spPr>
-        <p:txBody>
-          <a:bodyPr wrap="none" rtlCol="0">
-            <a:spAutoFit/>
-          </a:bodyPr>
-          <a:lstStyle/>
-          <a:p>
-            <a:r>
-              <a:rPr lang="zh-CN" altLang="en-US" sz="2400" b="1" dirty="0"/>
-              <a:t>输入</a:t>
-            </a:r>
-          </a:p>
-        </p:txBody>
-      </p:sp>
-      <p:sp>
-        <p:nvSpPr>
-          <p:cNvPr id="23" name="矩形 22">
-            <a:extLst>
-              <a:ext uri="{FF2B5EF4-FFF2-40B4-BE49-F238E27FC236}">
-                <a16:creationId xmlns:a16="http://schemas.microsoft.com/office/drawing/2014/main" xmlns="" id="{49089938-1517-467F-B295-EE38A57142D7}"/>
-              </a:ext>
-            </a:extLst>
-          </p:cNvPr>
-          <p:cNvSpPr/>
-          <p:nvPr/>
-        </p:nvSpPr>
-        <p:spPr>
-          <a:xfrm>
-            <a:off x="7081880" y="2571901"/>
-            <a:ext cx="2126723" cy="2862322"/>
-          </a:xfrm>
-          <a:prstGeom prst="rect">
-            <a:avLst/>
-          </a:prstGeom>
-        </p:spPr>
-        <p:txBody>
-          <a:bodyPr wrap="square">
-            <a:spAutoFit/>
-          </a:bodyPr>
-          <a:lstStyle/>
-          <a:p>
-            <a:r>
-              <a:rPr lang="en-US" altLang="zh-CN" dirty="0"/>
-              <a:t>1.</a:t>
-            </a:r>
-            <a:r>
-              <a:rPr lang="zh-CN" altLang="en-US" dirty="0"/>
-              <a:t>学习</a:t>
-            </a:r>
-            <a:r>
-              <a:rPr lang="en-US" altLang="zh-CN" dirty="0"/>
-              <a:t>Project 10,12</a:t>
-            </a:r>
-            <a:r>
-              <a:rPr lang="zh-CN" altLang="en-US" dirty="0"/>
-              <a:t>的内容</a:t>
-            </a:r>
-            <a:r>
-              <a:rPr lang="en-US" altLang="zh-CN" dirty="0"/>
-              <a:t>(</a:t>
-            </a:r>
-            <a:r>
-              <a:rPr lang="zh-CN" altLang="en-US" dirty="0"/>
-              <a:t>编译器的语法分析</a:t>
-            </a:r>
-            <a:r>
-              <a:rPr lang="en-US" altLang="zh-CN" dirty="0"/>
+              <a:rPr kumimoji="1" lang="zh-CN" altLang="en-US" sz="3200" dirty="0"/>
+              <a:t>陈治学</a:t>
+            </a:r>
+            <a:r>
+              <a:rPr kumimoji="1" lang="en-US" altLang="zh-CN" sz="3200" dirty="0"/>
+              <a:t>:Project 10</a:t>
+            </a:r>
+            <a:r>
+              <a:rPr kumimoji="1" lang="zh-CN" altLang="en-US" sz="3200" dirty="0"/>
+              <a:t>的</a:t>
+            </a:r>
+            <a:r>
+              <a:rPr kumimoji="1" lang="en-US" altLang="zh-CN" sz="3200" dirty="0" err="1"/>
+              <a:t>src</a:t>
+            </a:r>
+            <a:r>
+              <a:rPr kumimoji="1" lang="en-US" altLang="zh-CN" sz="3200" dirty="0"/>
               <a:t>, </a:t>
             </a:r>
             <a:r>
-              <a:rPr lang="zh-CN" altLang="en-US" dirty="0"/>
-              <a:t>操作系统）</a:t>
-            </a:r>
-          </a:p>
-          <a:p>
-            <a:r>
-              <a:rPr lang="en-US" altLang="zh-CN" dirty="0"/>
-              <a:t>2.</a:t>
-            </a:r>
-            <a:r>
-              <a:rPr lang="zh-CN" altLang="en-US" dirty="0"/>
-              <a:t>尝试编写</a:t>
-            </a:r>
-            <a:r>
-              <a:rPr lang="en-US" altLang="zh-CN" dirty="0"/>
-              <a:t>Project</a:t>
-            </a:r>
-            <a:r>
-              <a:rPr lang="zh-CN" altLang="en-US" dirty="0"/>
-              <a:t>后的作业</a:t>
-            </a:r>
-          </a:p>
-          <a:p>
-            <a:r>
-              <a:rPr lang="en-US" altLang="zh-CN" dirty="0"/>
-              <a:t>3.</a:t>
-            </a:r>
-            <a:r>
-              <a:rPr lang="zh-CN" altLang="en-US" dirty="0"/>
-              <a:t>在网上寻找</a:t>
-            </a:r>
-            <a:r>
-              <a:rPr lang="en-US" altLang="zh-CN" dirty="0"/>
-              <a:t>Git</a:t>
-            </a:r>
-            <a:r>
-              <a:rPr lang="zh-CN" altLang="en-US" dirty="0"/>
-              <a:t>教程，如</a:t>
-            </a:r>
-            <a:r>
-              <a:rPr lang="zh-CN" altLang="en-US" dirty="0">
-                <a:hlinkClick r:id="rId3"/>
-              </a:rPr>
-              <a:t>廖雪峰</a:t>
-            </a:r>
-            <a:r>
-              <a:rPr lang="en-US" altLang="zh-CN" dirty="0">
-                <a:hlinkClick r:id="rId3"/>
-              </a:rPr>
-              <a:t>Git</a:t>
-            </a:r>
-            <a:r>
-              <a:rPr lang="zh-CN" altLang="en-US" dirty="0">
-                <a:hlinkClick r:id="rId3"/>
-              </a:rPr>
-              <a:t>教程</a:t>
-            </a:r>
-            <a:endParaRPr lang="zh-CN" altLang="en-US" dirty="0"/>
-          </a:p>
-          <a:p>
-            <a:r>
-              <a:rPr lang="en-US" altLang="zh-CN" dirty="0"/>
-              <a:t>4.</a:t>
-            </a:r>
-            <a:r>
-              <a:rPr lang="zh-CN" altLang="en-US" dirty="0"/>
-              <a:t>实践如何使用</a:t>
-            </a:r>
-            <a:r>
-              <a:rPr lang="en-US" altLang="zh-CN" dirty="0"/>
-              <a:t>Git</a:t>
-            </a:r>
-            <a:r>
-              <a:rPr lang="zh-CN" altLang="en-US" dirty="0"/>
-              <a:t>的一系列指令集</a:t>
-            </a:r>
-          </a:p>
-        </p:txBody>
-      </p:sp>
-      <p:sp>
-        <p:nvSpPr>
-          <p:cNvPr id="26" name="矩形 25">
-            <a:extLst>
-              <a:ext uri="{FF2B5EF4-FFF2-40B4-BE49-F238E27FC236}">
-                <a16:creationId xmlns:a16="http://schemas.microsoft.com/office/drawing/2014/main" xmlns="" id="{8ABC6FAF-BF4C-47B5-974C-6D6E92F90468}"/>
-              </a:ext>
-            </a:extLst>
-          </p:cNvPr>
-          <p:cNvSpPr/>
-          <p:nvPr/>
-        </p:nvSpPr>
-        <p:spPr>
-          <a:xfrm>
-            <a:off x="4794223" y="2612854"/>
-            <a:ext cx="1593122" cy="923330"/>
-          </a:xfrm>
-          <a:prstGeom prst="rect">
-            <a:avLst/>
-          </a:prstGeom>
-        </p:spPr>
-        <p:txBody>
-          <a:bodyPr wrap="square">
-            <a:spAutoFit/>
-          </a:bodyPr>
-          <a:lstStyle/>
-          <a:p>
-            <a:r>
-              <a:rPr lang="zh-CN" altLang="en-US" dirty="0"/>
-              <a:t>小组学习报告</a:t>
-            </a:r>
-            <a:r>
-              <a:rPr lang="en-US" altLang="zh-CN" dirty="0"/>
-              <a:t>,</a:t>
-            </a:r>
-            <a:r>
-              <a:rPr lang="zh-CN" altLang="en-US" dirty="0"/>
-              <a:t>组员个人学习报告</a:t>
-            </a:r>
-          </a:p>
-        </p:txBody>
-      </p:sp>
-      <p:sp>
-        <p:nvSpPr>
-          <p:cNvPr id="27" name="矩形 26">
-            <a:extLst>
-              <a:ext uri="{FF2B5EF4-FFF2-40B4-BE49-F238E27FC236}">
-                <a16:creationId xmlns:a16="http://schemas.microsoft.com/office/drawing/2014/main" xmlns="" id="{4A51F31B-9087-492B-BC6A-9DEFED22FB5D}"/>
-              </a:ext>
-            </a:extLst>
-          </p:cNvPr>
-          <p:cNvSpPr/>
-          <p:nvPr/>
-        </p:nvSpPr>
-        <p:spPr>
-          <a:xfrm>
-            <a:off x="2324708" y="2587803"/>
-            <a:ext cx="1639020" cy="2308324"/>
-          </a:xfrm>
-          <a:prstGeom prst="rect">
-            <a:avLst/>
-          </a:prstGeom>
-        </p:spPr>
-        <p:txBody>
-          <a:bodyPr wrap="square">
-            <a:spAutoFit/>
-          </a:bodyPr>
-          <a:lstStyle/>
-          <a:p>
-            <a:pPr>
-              <a:buFont typeface="Arial" panose="020B0604020202020204" pitchFamily="34" charset="0"/>
-              <a:buChar char="•"/>
-            </a:pPr>
-            <a:r>
-              <a:rPr lang="en-US" altLang="zh-CN" b="0" i="0" dirty="0">
-                <a:effectLst/>
-                <a:latin typeface="-apple-system"/>
-              </a:rPr>
-              <a:t>1.</a:t>
-            </a:r>
-            <a:r>
-              <a:rPr lang="zh-CN" altLang="en-US" b="0" i="0" dirty="0">
-                <a:effectLst/>
-                <a:latin typeface="-apple-system"/>
-              </a:rPr>
-              <a:t>组员对编译器工作原理以及操作系统服务的实现过程有了初步了解</a:t>
-            </a:r>
-            <a:endParaRPr lang="en-US" altLang="zh-CN" b="0" i="0" dirty="0">
-              <a:effectLst/>
-              <a:latin typeface="-apple-system"/>
-            </a:endParaRPr>
-          </a:p>
-          <a:p>
-            <a:pPr>
-              <a:buFont typeface="Arial" panose="020B0604020202020204" pitchFamily="34" charset="0"/>
-              <a:buChar char="•"/>
-            </a:pPr>
-            <a:endParaRPr lang="zh-CN" altLang="en-US" b="0" i="0" dirty="0">
-              <a:effectLst/>
-              <a:latin typeface="-apple-system"/>
-            </a:endParaRPr>
-          </a:p>
-          <a:p>
-            <a:pPr>
-              <a:buFont typeface="Arial" panose="020B0604020202020204" pitchFamily="34" charset="0"/>
-              <a:buChar char="•"/>
-            </a:pPr>
-            <a:r>
-              <a:rPr lang="en-US" altLang="zh-CN" b="0" i="0" dirty="0">
-                <a:effectLst/>
-                <a:latin typeface="-apple-system"/>
-              </a:rPr>
-              <a:t>2.</a:t>
-            </a:r>
-            <a:r>
-              <a:rPr lang="zh-CN" altLang="en-US" b="0" i="0" dirty="0">
-                <a:effectLst/>
-                <a:latin typeface="-apple-system"/>
-              </a:rPr>
-              <a:t>学会使用</a:t>
-            </a:r>
-            <a:r>
-              <a:rPr lang="en-US" altLang="zh-CN" b="0" i="0" dirty="0">
-                <a:effectLst/>
-                <a:latin typeface="-apple-system"/>
-              </a:rPr>
-              <a:t>Git</a:t>
-            </a:r>
-            <a:r>
-              <a:rPr lang="zh-CN" altLang="en-US" b="0" i="0" dirty="0">
-                <a:effectLst/>
-                <a:latin typeface="-apple-system"/>
-              </a:rPr>
-              <a:t>指令集</a:t>
-            </a:r>
-          </a:p>
-        </p:txBody>
-      </p:sp>
-      <p:sp>
-        <p:nvSpPr>
-          <p:cNvPr id="28" name="文本框 27">
-            <a:extLst>
-              <a:ext uri="{FF2B5EF4-FFF2-40B4-BE49-F238E27FC236}">
-                <a16:creationId xmlns:a16="http://schemas.microsoft.com/office/drawing/2014/main" xmlns="" id="{DB3CF7F1-C67E-4A6F-B092-5938A46F7B2B}"/>
-              </a:ext>
-            </a:extLst>
-          </p:cNvPr>
-          <p:cNvSpPr txBox="1"/>
-          <p:nvPr/>
-        </p:nvSpPr>
-        <p:spPr>
-          <a:xfrm>
-            <a:off x="458012" y="2644170"/>
-            <a:ext cx="479239" cy="1569660"/>
-          </a:xfrm>
-          <a:prstGeom prst="rect">
-            <a:avLst/>
-          </a:prstGeom>
-          <a:noFill/>
-        </p:spPr>
-        <p:txBody>
-          <a:bodyPr wrap="square" rtlCol="0">
-            <a:spAutoFit/>
-          </a:bodyPr>
-          <a:lstStyle/>
-          <a:p>
-            <a:r>
-              <a:rPr lang="zh-CN" altLang="en-US" sz="2400" b="1" dirty="0"/>
-              <a:t>逻辑模型</a:t>
-            </a:r>
-          </a:p>
-        </p:txBody>
-      </p:sp>
-      <p:sp>
-        <p:nvSpPr>
-          <p:cNvPr id="29" name="文本框 28">
-            <a:extLst>
-              <a:ext uri="{FF2B5EF4-FFF2-40B4-BE49-F238E27FC236}">
-                <a16:creationId xmlns:a16="http://schemas.microsoft.com/office/drawing/2014/main" xmlns="" id="{3DC56A8C-7386-4D0E-A37E-01B7766CA61A}"/>
-              </a:ext>
-            </a:extLst>
-          </p:cNvPr>
-          <p:cNvSpPr txBox="1"/>
-          <p:nvPr/>
-        </p:nvSpPr>
-        <p:spPr>
-          <a:xfrm>
-            <a:off x="2489650" y="6167903"/>
-            <a:ext cx="1415772" cy="461665"/>
-          </a:xfrm>
-          <a:prstGeom prst="rect">
-            <a:avLst/>
-          </a:prstGeom>
-          <a:noFill/>
-        </p:spPr>
-        <p:txBody>
-          <a:bodyPr wrap="none" rtlCol="0">
-            <a:spAutoFit/>
-          </a:bodyPr>
-          <a:lstStyle/>
-          <a:p>
-            <a:r>
-              <a:rPr lang="zh-CN" altLang="en-US" sz="2400" b="1" dirty="0"/>
-              <a:t>外部因素</a:t>
-            </a:r>
-          </a:p>
-        </p:txBody>
-      </p:sp>
-      <p:sp>
-        <p:nvSpPr>
-          <p:cNvPr id="30" name="矩形 29">
-            <a:extLst>
-              <a:ext uri="{FF2B5EF4-FFF2-40B4-BE49-F238E27FC236}">
-                <a16:creationId xmlns:a16="http://schemas.microsoft.com/office/drawing/2014/main" xmlns="" id="{1676E6BB-0E2C-440A-AF49-1BF0FFAEB41A}"/>
-              </a:ext>
-            </a:extLst>
-          </p:cNvPr>
-          <p:cNvSpPr/>
-          <p:nvPr/>
-        </p:nvSpPr>
-        <p:spPr>
-          <a:xfrm>
-            <a:off x="4642235" y="6044289"/>
-            <a:ext cx="7348331" cy="584775"/>
-          </a:xfrm>
-          <a:prstGeom prst="rect">
-            <a:avLst/>
-          </a:prstGeom>
-        </p:spPr>
-        <p:txBody>
-          <a:bodyPr wrap="square">
-            <a:spAutoFit/>
-          </a:bodyPr>
-          <a:lstStyle/>
-          <a:p>
-            <a:pPr>
-              <a:buFont typeface="Arial" panose="020B0604020202020204" pitchFamily="34" charset="0"/>
-              <a:buChar char="•"/>
-            </a:pPr>
-            <a:r>
-              <a:rPr lang="en-US" altLang="zh-CN" sz="1600" b="0" i="0" dirty="0">
-                <a:effectLst/>
-                <a:latin typeface="-apple-system"/>
-              </a:rPr>
-              <a:t>1.</a:t>
-            </a:r>
-            <a:r>
-              <a:rPr lang="zh-CN" altLang="en-US" sz="1600" b="0" i="0" dirty="0">
-                <a:effectLst/>
-                <a:latin typeface="-apple-system"/>
-              </a:rPr>
-              <a:t>组员太少，无法形成有效的交流</a:t>
-            </a:r>
-          </a:p>
-          <a:p>
-            <a:pPr>
-              <a:buFont typeface="Arial" panose="020B0604020202020204" pitchFamily="34" charset="0"/>
-              <a:buChar char="•"/>
-            </a:pPr>
-            <a:r>
-              <a:rPr lang="en-US" altLang="zh-CN" sz="1600" b="0" i="0" dirty="0">
-                <a:effectLst/>
-                <a:latin typeface="-apple-system"/>
-              </a:rPr>
-              <a:t>2.</a:t>
-            </a:r>
-            <a:r>
-              <a:rPr lang="zh-CN" altLang="en-US" sz="1600" b="0" i="0" dirty="0">
-                <a:effectLst/>
-                <a:latin typeface="-apple-system"/>
-              </a:rPr>
-              <a:t>分到的</a:t>
-            </a:r>
-            <a:r>
-              <a:rPr lang="en-US" altLang="zh-CN" sz="1600" b="0" i="0" dirty="0">
-                <a:effectLst/>
-                <a:latin typeface="-apple-system"/>
-              </a:rPr>
-              <a:t>Project</a:t>
-            </a:r>
-            <a:r>
-              <a:rPr lang="zh-CN" altLang="en-US" sz="1600" b="0" i="0" dirty="0">
-                <a:effectLst/>
-                <a:latin typeface="-apple-system"/>
-              </a:rPr>
-              <a:t>太靠后，完成作业需要前面的</a:t>
-            </a:r>
-            <a:r>
-              <a:rPr lang="en-US" altLang="zh-CN" sz="1600" b="0" i="0" dirty="0">
-                <a:effectLst/>
-                <a:latin typeface="-apple-system"/>
-              </a:rPr>
-              <a:t>Jack</a:t>
-            </a:r>
-            <a:r>
-              <a:rPr lang="zh-CN" altLang="en-US" sz="1600" b="0" i="0" dirty="0">
-                <a:effectLst/>
-                <a:latin typeface="-apple-system"/>
-              </a:rPr>
-              <a:t>语法基础，完成起来较为困难</a:t>
-            </a:r>
-          </a:p>
-        </p:txBody>
-      </p:sp>
-      <p:sp>
-        <p:nvSpPr>
-          <p:cNvPr id="31" name="矩形 30">
-            <a:extLst>
-              <a:ext uri="{FF2B5EF4-FFF2-40B4-BE49-F238E27FC236}">
-                <a16:creationId xmlns:a16="http://schemas.microsoft.com/office/drawing/2014/main" xmlns="" id="{B2158B8D-F959-4A6C-A6E8-DB2DA828A864}"/>
-              </a:ext>
-            </a:extLst>
-          </p:cNvPr>
-          <p:cNvSpPr/>
-          <p:nvPr/>
-        </p:nvSpPr>
-        <p:spPr>
-          <a:xfrm>
-            <a:off x="3963728" y="1138657"/>
-            <a:ext cx="6173485" cy="369332"/>
-          </a:xfrm>
-          <a:prstGeom prst="rect">
-            <a:avLst/>
-          </a:prstGeom>
-        </p:spPr>
-        <p:txBody>
-          <a:bodyPr wrap="none">
-            <a:spAutoFit/>
-          </a:bodyPr>
-          <a:lstStyle/>
-          <a:p>
-            <a:r>
-              <a:rPr lang="zh-CN" altLang="en-US" b="0" i="0" dirty="0">
-                <a:effectLst/>
-                <a:latin typeface="-apple-system"/>
-              </a:rPr>
-              <a:t>掌握</a:t>
-            </a:r>
-            <a:r>
-              <a:rPr lang="en-US" altLang="zh-CN" b="0" i="0" dirty="0">
-                <a:effectLst/>
-                <a:latin typeface="-apple-system"/>
-              </a:rPr>
-              <a:t>Git</a:t>
-            </a:r>
-            <a:r>
-              <a:rPr lang="zh-CN" altLang="en-US" b="0" i="0" dirty="0">
-                <a:effectLst/>
-                <a:latin typeface="-apple-system"/>
-              </a:rPr>
-              <a:t>的使用方法，学会编译器原理以及操作系统的</a:t>
-            </a:r>
-            <a:r>
-              <a:rPr lang="zh-CN" altLang="en-US" b="0" i="0" dirty="0" smtClean="0">
-                <a:effectLst/>
-                <a:latin typeface="-apple-system"/>
-              </a:rPr>
-              <a:t>实现</a:t>
-            </a:r>
-            <a:endParaRPr lang="zh-CN" altLang="en-US" dirty="0"/>
+              <a:rPr kumimoji="1" lang="zh-CN" altLang="en-US" sz="3200" dirty="0"/>
+              <a:t>小组学习报告展示</a:t>
+            </a:r>
+            <a:r>
+              <a:rPr kumimoji="1" lang="en-US" altLang="zh-CN" sz="3200" dirty="0"/>
+              <a:t>PPT</a:t>
+            </a:r>
           </a:p>
         </p:txBody>
       </p:sp>
     </p:spTree>
     <p:extLst>
       <p:ext uri="{BB962C8B-B14F-4D97-AF65-F5344CB8AC3E}">
-        <p14:creationId xmlns:p14="http://schemas.microsoft.com/office/powerpoint/2010/main" val="1231485288"/>
+        <p14:creationId xmlns:p14="http://schemas.microsoft.com/office/powerpoint/2010/main" val="3749747182"/>
       </p:ext>
     </p:extLst>
   </p:cSld>
@@ -7196,7 +7098,13 @@
       </p:grpSpPr>
       <p:sp>
         <p:nvSpPr>
-          <p:cNvPr id="4" name="文本框 3"/>
+          <p:cNvPr id="4" name="文本框 3">
+            <a:extLst>
+              <a:ext uri="{FF2B5EF4-FFF2-40B4-BE49-F238E27FC236}">
+                <a16:creationId xmlns:a16="http://schemas.microsoft.com/office/drawing/2014/main" id="{69AD6B72-C3A4-4BBC-801F-D2755DF5EAF9}"/>
+              </a:ext>
+            </a:extLst>
+          </p:cNvPr>
           <p:cNvSpPr txBox="1"/>
           <p:nvPr/>
         </p:nvSpPr>
@@ -7218,89 +7126,93 @@
           <a:p>
             <a:pPr algn="ctr"/>
             <a:r>
-              <a:rPr kumimoji="1" lang="en-US" altLang="zh-CN" sz="4400" dirty="0" smtClean="0"/>
-              <a:t>Project 10</a:t>
-            </a:r>
-            <a:r>
-              <a:rPr kumimoji="1" lang="zh-CN" altLang="en-US" sz="4400" dirty="0" smtClean="0"/>
-              <a:t> 内容概述</a:t>
-            </a:r>
-            <a:endParaRPr kumimoji="1" lang="zh-CN" altLang="en-US" sz="4400" dirty="0"/>
-          </a:p>
-        </p:txBody>
-      </p:sp>
-      <p:sp>
-        <p:nvSpPr>
-          <p:cNvPr id="5" name="文本框 4"/>
-          <p:cNvSpPr txBox="1"/>
-          <p:nvPr/>
-        </p:nvSpPr>
-        <p:spPr>
-          <a:xfrm>
-            <a:off x="1142104" y="1723017"/>
-            <a:ext cx="2493982" cy="3539430"/>
-          </a:xfrm>
-          <a:prstGeom prst="rect">
-            <a:avLst/>
-          </a:prstGeom>
-          <a:noFill/>
-        </p:spPr>
-        <p:txBody>
-          <a:bodyPr wrap="square" rtlCol="0">
-            <a:spAutoFit/>
-          </a:bodyPr>
-          <a:lstStyle/>
-          <a:p>
-            <a:r>
-              <a:rPr kumimoji="1" lang="zh-CN" altLang="en-US" sz="3200" dirty="0" smtClean="0"/>
-              <a:t>针对一段代码，首先进行</a:t>
-            </a:r>
-            <a:r>
-              <a:rPr kumimoji="1" lang="en-US" altLang="zh-CN" sz="3200" dirty="0" smtClean="0"/>
-              <a:t>tokenize</a:t>
-            </a:r>
-            <a:r>
-              <a:rPr kumimoji="1" lang="zh-CN" altLang="en-US" sz="3200" dirty="0" smtClean="0"/>
-              <a:t>，即单独识别出每个字符串的类型，如右图：</a:t>
-            </a:r>
-            <a:endParaRPr kumimoji="1" lang="zh-CN" altLang="en-US" sz="3200" dirty="0"/>
+              <a:rPr kumimoji="1" lang="en-US" altLang="zh-CN" sz="4400" dirty="0"/>
+              <a:t>Wiki </a:t>
+            </a:r>
+            <a:r>
+              <a:rPr kumimoji="1" lang="zh-CN" altLang="en-US" sz="4400" dirty="0"/>
+              <a:t>修改内容</a:t>
+            </a:r>
           </a:p>
         </p:txBody>
       </p:sp>
       <p:pic>
         <p:nvPicPr>
-          <p:cNvPr id="2" name="图片 1"/>
+          <p:cNvPr id="5" name="图片 4">
+            <a:extLst>
+              <a:ext uri="{FF2B5EF4-FFF2-40B4-BE49-F238E27FC236}">
+                <a16:creationId xmlns:a16="http://schemas.microsoft.com/office/drawing/2014/main" id="{6F5AB5BA-916D-4738-9014-9B66683BE01C}"/>
+              </a:ext>
+            </a:extLst>
+          </p:cNvPr>
           <p:cNvPicPr>
             <a:picLocks noChangeAspect="1"/>
           </p:cNvPicPr>
           <p:nvPr/>
         </p:nvPicPr>
         <p:blipFill>
-          <a:blip r:embed="rId2">
-            <a:extLst>
-              <a:ext uri="{28A0092B-C50C-407E-A947-70E740481C1C}">
-                <a14:useLocalDpi xmlns:a14="http://schemas.microsoft.com/office/drawing/2010/main" val="0"/>
-              </a:ext>
-            </a:extLst>
-          </a:blip>
+          <a:blip r:embed="rId2"/>
           <a:stretch>
             <a:fillRect/>
           </a:stretch>
         </p:blipFill>
         <p:spPr>
           <a:xfrm>
-            <a:off x="4195482" y="1081414"/>
-            <a:ext cx="6750158" cy="5512909"/>
+            <a:off x="547007" y="1322614"/>
+            <a:ext cx="7436546" cy="4166730"/>
           </a:xfrm>
           <a:prstGeom prst="rect">
             <a:avLst/>
           </a:prstGeom>
         </p:spPr>
       </p:pic>
+      <p:sp>
+        <p:nvSpPr>
+          <p:cNvPr id="6" name="文本框 5">
+            <a:extLst>
+              <a:ext uri="{FF2B5EF4-FFF2-40B4-BE49-F238E27FC236}">
+                <a16:creationId xmlns:a16="http://schemas.microsoft.com/office/drawing/2014/main" id="{1EA4A515-196B-4FDF-9F16-728345B00577}"/>
+              </a:ext>
+            </a:extLst>
+          </p:cNvPr>
+          <p:cNvSpPr txBox="1"/>
+          <p:nvPr/>
+        </p:nvSpPr>
+        <p:spPr>
+          <a:xfrm>
+            <a:off x="8522617" y="1286107"/>
+            <a:ext cx="2825739" cy="1077218"/>
+          </a:xfrm>
+          <a:prstGeom prst="rect">
+            <a:avLst/>
+          </a:prstGeom>
+          <a:noFill/>
+        </p:spPr>
+        <p:txBody>
+          <a:bodyPr wrap="square" rtlCol="0">
+            <a:spAutoFit/>
+          </a:bodyPr>
+          <a:lstStyle/>
+          <a:p>
+            <a:r>
+              <a:rPr kumimoji="1" lang="zh-CN" altLang="en-US" sz="3200" dirty="0"/>
+              <a:t>郑炜熹</a:t>
+            </a:r>
+            <a:r>
+              <a:rPr kumimoji="1" lang="en-US" altLang="zh-CN" sz="3200" dirty="0"/>
+              <a:t>:</a:t>
+            </a:r>
+            <a:r>
+              <a:rPr kumimoji="1" lang="zh-CN" altLang="en-US" sz="3200" dirty="0"/>
+              <a:t>创建小组学习报告</a:t>
+            </a:r>
+          </a:p>
+        </p:txBody>
+      </p:sp>
     </p:spTree>
     <p:extLst>
       <p:ext uri="{BB962C8B-B14F-4D97-AF65-F5344CB8AC3E}">
-        <p14:creationId xmlns:p14="http://schemas.microsoft.com/office/powerpoint/2010/main" val="753875168"/>
+        <p14:creationId xmlns:p14="http://schemas.microsoft.com/office/powerpoint/2010/main" val="3296178359"/>
       </p:ext>
     </p:extLst>
   </p:cSld>
@@ -7329,7 +7241,13 @@
       </p:grpSpPr>
       <p:sp>
         <p:nvSpPr>
-          <p:cNvPr id="4" name="文本框 3"/>
+          <p:cNvPr id="4" name="文本框 3">
+            <a:extLst>
+              <a:ext uri="{FF2B5EF4-FFF2-40B4-BE49-F238E27FC236}">
+                <a16:creationId xmlns:a16="http://schemas.microsoft.com/office/drawing/2014/main" id="{F5F963A6-813B-4077-B7FA-17CCE964593A}"/>
+              </a:ext>
+            </a:extLst>
+          </p:cNvPr>
           <p:cNvSpPr txBox="1"/>
           <p:nvPr/>
         </p:nvSpPr>
@@ -7351,97 +7269,123 @@
           <a:p>
             <a:pPr algn="ctr"/>
             <a:r>
-              <a:rPr kumimoji="1" lang="en-US" altLang="zh-CN" sz="4400" dirty="0" smtClean="0"/>
-              <a:t>Project 10</a:t>
-            </a:r>
-            <a:r>
-              <a:rPr kumimoji="1" lang="zh-CN" altLang="en-US" sz="4400" dirty="0" smtClean="0"/>
-              <a:t> 内容概述</a:t>
-            </a:r>
-            <a:endParaRPr kumimoji="1" lang="zh-CN" altLang="en-US" sz="4400" dirty="0"/>
-          </a:p>
-        </p:txBody>
-      </p:sp>
-      <p:sp>
-        <p:nvSpPr>
-          <p:cNvPr id="5" name="文本框 4"/>
-          <p:cNvSpPr txBox="1"/>
-          <p:nvPr/>
-        </p:nvSpPr>
-        <p:spPr>
-          <a:xfrm>
-            <a:off x="1142104" y="1723017"/>
-            <a:ext cx="2493982" cy="4031873"/>
-          </a:xfrm>
-          <a:prstGeom prst="rect">
-            <a:avLst/>
-          </a:prstGeom>
-          <a:noFill/>
-        </p:spPr>
-        <p:txBody>
-          <a:bodyPr wrap="square" rtlCol="0">
-            <a:spAutoFit/>
-          </a:bodyPr>
-          <a:lstStyle/>
-          <a:p>
-            <a:r>
-              <a:rPr kumimoji="1" lang="zh-CN" altLang="en-US" sz="3200" dirty="0" smtClean="0"/>
-              <a:t>在此基础上，对</a:t>
-            </a:r>
-            <a:r>
-              <a:rPr kumimoji="1" lang="en-US" altLang="zh-CN" sz="3200" dirty="0" smtClean="0"/>
-              <a:t>keyword</a:t>
-            </a:r>
-            <a:r>
-              <a:rPr kumimoji="1" lang="zh-CN" altLang="en-US" sz="3200" dirty="0" smtClean="0"/>
-              <a:t>以及</a:t>
-            </a:r>
-            <a:r>
-              <a:rPr kumimoji="1" lang="en-US" altLang="zh-CN" sz="3200" dirty="0" smtClean="0"/>
-              <a:t>symbol</a:t>
-            </a:r>
-            <a:r>
-              <a:rPr kumimoji="1" lang="zh-CN" altLang="en-US" sz="3200" dirty="0" smtClean="0"/>
-              <a:t>进行识别，进行语法分析，输出一份有缩进，语义完备的文件</a:t>
-            </a:r>
-            <a:endParaRPr kumimoji="1" lang="zh-CN" altLang="en-US" sz="3200" dirty="0"/>
+              <a:rPr kumimoji="1" lang="en-US" altLang="zh-CN" sz="4400" dirty="0"/>
+              <a:t>Wiki </a:t>
+            </a:r>
+            <a:r>
+              <a:rPr kumimoji="1" lang="zh-CN" altLang="en-US" sz="4400" dirty="0"/>
+              <a:t>修改内容</a:t>
+            </a:r>
           </a:p>
         </p:txBody>
       </p:sp>
       <p:pic>
         <p:nvPicPr>
-          <p:cNvPr id="3" name="图片 2"/>
+          <p:cNvPr id="5" name="图片 4">
+            <a:extLst>
+              <a:ext uri="{FF2B5EF4-FFF2-40B4-BE49-F238E27FC236}">
+                <a16:creationId xmlns:a16="http://schemas.microsoft.com/office/drawing/2014/main" id="{8E0722E3-1FBF-45EE-9D1A-9E040BE25D64}"/>
+              </a:ext>
+            </a:extLst>
+          </p:cNvPr>
           <p:cNvPicPr>
             <a:picLocks noChangeAspect="1"/>
           </p:cNvPicPr>
           <p:nvPr/>
         </p:nvPicPr>
         <p:blipFill>
-          <a:blip r:embed="rId2">
-            <a:extLst>
-              <a:ext uri="{28A0092B-C50C-407E-A947-70E740481C1C}">
-                <a14:useLocalDpi xmlns:a14="http://schemas.microsoft.com/office/drawing/2010/main" val="0"/>
-              </a:ext>
-            </a:extLst>
-          </a:blip>
+          <a:blip r:embed="rId2"/>
           <a:stretch>
             <a:fillRect/>
           </a:stretch>
         </p:blipFill>
         <p:spPr>
           <a:xfrm>
-            <a:off x="4410634" y="1081414"/>
-            <a:ext cx="6454589" cy="5501468"/>
+            <a:off x="481693" y="1261076"/>
+            <a:ext cx="8458200" cy="2091286"/>
           </a:xfrm>
           <a:prstGeom prst="rect">
             <a:avLst/>
           </a:prstGeom>
         </p:spPr>
       </p:pic>
+      <p:pic>
+        <p:nvPicPr>
+          <p:cNvPr id="6" name="图片 5">
+            <a:extLst>
+              <a:ext uri="{FF2B5EF4-FFF2-40B4-BE49-F238E27FC236}">
+                <a16:creationId xmlns:a16="http://schemas.microsoft.com/office/drawing/2014/main" id="{80758049-3808-458F-A661-AA5FFCC69D1D}"/>
+              </a:ext>
+            </a:extLst>
+          </p:cNvPr>
+          <p:cNvPicPr>
+            <a:picLocks noChangeAspect="1"/>
+          </p:cNvPicPr>
+          <p:nvPr/>
+        </p:nvPicPr>
+        <p:blipFill>
+          <a:blip r:embed="rId3"/>
+          <a:stretch>
+            <a:fillRect/>
+          </a:stretch>
+        </p:blipFill>
+        <p:spPr>
+          <a:xfrm>
+            <a:off x="481693" y="3638524"/>
+            <a:ext cx="8458200" cy="1989093"/>
+          </a:xfrm>
+          <a:prstGeom prst="rect">
+            <a:avLst/>
+          </a:prstGeom>
+        </p:spPr>
+      </p:pic>
+      <p:sp>
+        <p:nvSpPr>
+          <p:cNvPr id="7" name="文本框 6">
+            <a:extLst>
+              <a:ext uri="{FF2B5EF4-FFF2-40B4-BE49-F238E27FC236}">
+                <a16:creationId xmlns:a16="http://schemas.microsoft.com/office/drawing/2014/main" id="{3847888A-BA86-413F-85C1-2AD962342BEB}"/>
+              </a:ext>
+            </a:extLst>
+          </p:cNvPr>
+          <p:cNvSpPr txBox="1"/>
+          <p:nvPr/>
+        </p:nvSpPr>
+        <p:spPr>
+          <a:xfrm>
+            <a:off x="9102281" y="1286107"/>
+            <a:ext cx="2825739" cy="1077218"/>
+          </a:xfrm>
+          <a:prstGeom prst="rect">
+            <a:avLst/>
+          </a:prstGeom>
+          <a:noFill/>
+        </p:spPr>
+        <p:txBody>
+          <a:bodyPr wrap="square" rtlCol="0">
+            <a:spAutoFit/>
+          </a:bodyPr>
+          <a:lstStyle/>
+          <a:p>
+            <a:r>
+              <a:rPr kumimoji="1" lang="zh-CN" altLang="en-US" sz="3200" dirty="0"/>
+              <a:t>陈治学</a:t>
+            </a:r>
+            <a:r>
+              <a:rPr kumimoji="1" lang="en-US" altLang="zh-CN" sz="3200" dirty="0"/>
+              <a:t>:</a:t>
+            </a:r>
+            <a:r>
+              <a:rPr kumimoji="1" lang="zh-CN" altLang="en-US" sz="3200" dirty="0"/>
+              <a:t>个人学习报告</a:t>
+            </a:r>
+          </a:p>
+        </p:txBody>
+      </p:sp>
     </p:spTree>
     <p:extLst>
       <p:ext uri="{BB962C8B-B14F-4D97-AF65-F5344CB8AC3E}">
-        <p14:creationId xmlns:p14="http://schemas.microsoft.com/office/powerpoint/2010/main" val="456486500"/>
+        <p14:creationId xmlns:p14="http://schemas.microsoft.com/office/powerpoint/2010/main" val="4063430091"/>
       </p:ext>
     </p:extLst>
   </p:cSld>
@@ -7470,14 +7414,20 @@
       </p:grpSpPr>
       <p:sp>
         <p:nvSpPr>
-          <p:cNvPr id="4" name="文本框 3"/>
+          <p:cNvPr id="4" name="文本框 3">
+            <a:extLst>
+              <a:ext uri="{FF2B5EF4-FFF2-40B4-BE49-F238E27FC236}">
+                <a16:creationId xmlns:a16="http://schemas.microsoft.com/office/drawing/2014/main" id="{6E45E16C-1ECA-4747-A22A-57E06EEA008F}"/>
+              </a:ext>
+            </a:extLst>
+          </p:cNvPr>
           <p:cNvSpPr txBox="1"/>
           <p:nvPr/>
         </p:nvSpPr>
         <p:spPr>
           <a:xfrm>
             <a:off x="2947596" y="311973"/>
-            <a:ext cx="6121100" cy="769441"/>
+            <a:ext cx="5787614" cy="769441"/>
           </a:xfrm>
           <a:prstGeom prst="rect">
             <a:avLst/>
@@ -7492,130 +7442,123 @@
           <a:p>
             <a:pPr algn="ctr"/>
             <a:r>
-              <a:rPr kumimoji="1" lang="zh-CN" altLang="en-US" sz="4400" dirty="0" smtClean="0"/>
-              <a:t>已解决的问题：</a:t>
-            </a:r>
-            <a:endParaRPr kumimoji="1" lang="zh-CN" altLang="en-US" sz="4400" dirty="0"/>
-          </a:p>
-        </p:txBody>
-      </p:sp>
-      <p:sp>
-        <p:nvSpPr>
-          <p:cNvPr id="5" name="文本框 4"/>
-          <p:cNvSpPr txBox="1"/>
-          <p:nvPr/>
-        </p:nvSpPr>
-        <p:spPr>
-          <a:xfrm>
-            <a:off x="883920" y="1497107"/>
-            <a:ext cx="4580966" cy="4031873"/>
-          </a:xfrm>
-          <a:prstGeom prst="rect">
-            <a:avLst/>
-          </a:prstGeom>
-          <a:noFill/>
-        </p:spPr>
-        <p:txBody>
-          <a:bodyPr wrap="square" rtlCol="0">
-            <a:spAutoFit/>
-          </a:bodyPr>
-          <a:lstStyle/>
-          <a:p>
-            <a:r>
-              <a:rPr kumimoji="1" lang="en-US" altLang="zh-CN" sz="3200" dirty="0" smtClean="0"/>
-              <a:t>1.</a:t>
-            </a:r>
-            <a:r>
-              <a:rPr kumimoji="1" lang="zh-CN" altLang="en-US" sz="3200" dirty="0" smtClean="0"/>
-              <a:t>目前课程提供的编译方式是</a:t>
-            </a:r>
-            <a:r>
-              <a:rPr kumimoji="1" lang="en-US" altLang="zh-CN" sz="3200" dirty="0" smtClean="0"/>
-              <a:t>Lex</a:t>
-            </a:r>
-            <a:r>
-              <a:rPr kumimoji="1" lang="zh-CN" altLang="en-US" sz="3200" dirty="0" smtClean="0"/>
-              <a:t>和</a:t>
-            </a:r>
-            <a:r>
-              <a:rPr kumimoji="1" lang="en-US" altLang="zh-CN" sz="3200" dirty="0" err="1" smtClean="0"/>
-              <a:t>Yacc</a:t>
-            </a:r>
-            <a:r>
-              <a:rPr kumimoji="1" lang="zh-CN" altLang="en-US" sz="3200" dirty="0" smtClean="0"/>
-              <a:t>，但这两者在网络上资源极度缺乏。</a:t>
-            </a:r>
-            <a:endParaRPr kumimoji="1" lang="en-US" altLang="zh-CN" sz="3200" dirty="0" smtClean="0"/>
-          </a:p>
-          <a:p>
-            <a:endParaRPr kumimoji="1" lang="en-US" altLang="zh-CN" sz="3200" dirty="0"/>
-          </a:p>
-          <a:p>
-            <a:endParaRPr kumimoji="1" lang="en-US" altLang="zh-CN" sz="3200" dirty="0" smtClean="0"/>
-          </a:p>
-          <a:p>
-            <a:r>
-              <a:rPr kumimoji="1" lang="en-US" altLang="zh-CN" sz="3200" dirty="0" smtClean="0"/>
-              <a:t>2.</a:t>
-            </a:r>
-            <a:r>
-              <a:rPr kumimoji="1" lang="zh-CN" altLang="en-US" sz="3200" dirty="0" smtClean="0"/>
-              <a:t> </a:t>
-            </a:r>
-            <a:r>
-              <a:rPr kumimoji="1" lang="en-US" altLang="zh-CN" sz="3200" dirty="0" smtClean="0"/>
-              <a:t>Lex</a:t>
-            </a:r>
-            <a:r>
-              <a:rPr kumimoji="1" lang="zh-CN" altLang="en-US" sz="3200" dirty="0" smtClean="0"/>
-              <a:t>的语法和</a:t>
-            </a:r>
-            <a:r>
-              <a:rPr kumimoji="1" lang="en-US" altLang="zh-CN" sz="3200" dirty="0" smtClean="0"/>
-              <a:t>C</a:t>
-            </a:r>
-            <a:r>
-              <a:rPr kumimoji="1" lang="zh-CN" altLang="en-US" sz="3200" dirty="0" smtClean="0"/>
-              <a:t>相同，但功能有所区别。</a:t>
-            </a:r>
-            <a:endParaRPr kumimoji="1" lang="zh-CN" altLang="en-US" sz="3200" dirty="0"/>
+              <a:rPr kumimoji="1" lang="en-US" altLang="zh-CN" sz="4400" dirty="0"/>
+              <a:t>Wiki </a:t>
+            </a:r>
+            <a:r>
+              <a:rPr kumimoji="1" lang="zh-CN" altLang="en-US" sz="4400" dirty="0"/>
+              <a:t>修改内容</a:t>
+            </a:r>
           </a:p>
         </p:txBody>
       </p:sp>
       <p:pic>
         <p:nvPicPr>
-          <p:cNvPr id="6" name="图片 5"/>
+          <p:cNvPr id="5" name="图片 4">
+            <a:extLst>
+              <a:ext uri="{FF2B5EF4-FFF2-40B4-BE49-F238E27FC236}">
+                <a16:creationId xmlns:a16="http://schemas.microsoft.com/office/drawing/2014/main" id="{41015788-A46F-4876-AC70-2E41B1FE22F5}"/>
+              </a:ext>
+            </a:extLst>
+          </p:cNvPr>
           <p:cNvPicPr>
             <a:picLocks noChangeAspect="1"/>
           </p:cNvPicPr>
           <p:nvPr/>
         </p:nvPicPr>
         <p:blipFill>
-          <a:blip r:embed="rId2">
-            <a:extLst>
-              <a:ext uri="{28A0092B-C50C-407E-A947-70E740481C1C}">
-                <a14:useLocalDpi xmlns:a14="http://schemas.microsoft.com/office/drawing/2010/main" val="0"/>
-              </a:ext>
-            </a:extLst>
-          </a:blip>
+          <a:blip r:embed="rId2"/>
           <a:stretch>
             <a:fillRect/>
           </a:stretch>
         </p:blipFill>
         <p:spPr>
           <a:xfrm>
-            <a:off x="5900569" y="1156718"/>
-            <a:ext cx="6016483" cy="5491508"/>
+            <a:off x="620485" y="1417195"/>
+            <a:ext cx="5846179" cy="2101612"/>
           </a:xfrm>
           <a:prstGeom prst="rect">
             <a:avLst/>
           </a:prstGeom>
         </p:spPr>
       </p:pic>
+      <p:pic>
+        <p:nvPicPr>
+          <p:cNvPr id="6" name="图片 5">
+            <a:extLst>
+              <a:ext uri="{FF2B5EF4-FFF2-40B4-BE49-F238E27FC236}">
+                <a16:creationId xmlns:a16="http://schemas.microsoft.com/office/drawing/2014/main" id="{D859FA15-715E-4823-95E3-C7D196D897AC}"/>
+              </a:ext>
+            </a:extLst>
+          </p:cNvPr>
+          <p:cNvPicPr>
+            <a:picLocks noChangeAspect="1"/>
+          </p:cNvPicPr>
+          <p:nvPr/>
+        </p:nvPicPr>
+        <p:blipFill>
+          <a:blip r:embed="rId3"/>
+          <a:stretch>
+            <a:fillRect/>
+          </a:stretch>
+        </p:blipFill>
+        <p:spPr>
+          <a:xfrm>
+            <a:off x="620485" y="3741870"/>
+            <a:ext cx="6817179" cy="1981738"/>
+          </a:xfrm>
+          <a:prstGeom prst="rect">
+            <a:avLst/>
+          </a:prstGeom>
+        </p:spPr>
+      </p:pic>
+      <p:sp>
+        <p:nvSpPr>
+          <p:cNvPr id="7" name="文本框 6">
+            <a:extLst>
+              <a:ext uri="{FF2B5EF4-FFF2-40B4-BE49-F238E27FC236}">
+                <a16:creationId xmlns:a16="http://schemas.microsoft.com/office/drawing/2014/main" id="{C47DFBF2-6086-436C-8240-D965A0A49D2A}"/>
+              </a:ext>
+            </a:extLst>
+          </p:cNvPr>
+          <p:cNvSpPr txBox="1"/>
+          <p:nvPr/>
+        </p:nvSpPr>
+        <p:spPr>
+          <a:xfrm>
+            <a:off x="8735210" y="1437838"/>
+            <a:ext cx="2825739" cy="1077218"/>
+          </a:xfrm>
+          <a:prstGeom prst="rect">
+            <a:avLst/>
+          </a:prstGeom>
+          <a:noFill/>
+        </p:spPr>
+        <p:txBody>
+          <a:bodyPr wrap="square" rtlCol="0">
+            <a:spAutoFit/>
+          </a:bodyPr>
+          <a:lstStyle/>
+          <a:p>
+            <a:r>
+              <a:rPr kumimoji="1" lang="zh-CN" altLang="en-US" sz="3200" dirty="0"/>
+              <a:t>郑炜熹</a:t>
+            </a:r>
+            <a:r>
+              <a:rPr kumimoji="1" lang="en-US" altLang="zh-CN" sz="3200" dirty="0"/>
+              <a:t>:</a:t>
+            </a:r>
+            <a:r>
+              <a:rPr kumimoji="1" lang="zh-CN" altLang="en-US" sz="3200" dirty="0"/>
+              <a:t>个人学习报告</a:t>
+            </a:r>
+          </a:p>
+        </p:txBody>
+      </p:sp>
     </p:spTree>
     <p:extLst>
       <p:ext uri="{BB962C8B-B14F-4D97-AF65-F5344CB8AC3E}">
-        <p14:creationId xmlns:p14="http://schemas.microsoft.com/office/powerpoint/2010/main" val="1962669144"/>
+        <p14:creationId xmlns:p14="http://schemas.microsoft.com/office/powerpoint/2010/main" val="3149274117"/>
       </p:ext>
     </p:extLst>
   </p:cSld>
@@ -7642,16 +7585,58 @@
           <a:chExt cx="0" cy="0"/>
         </a:xfrm>
       </p:grpSpPr>
-      <p:sp>
-        <p:nvSpPr>
-          <p:cNvPr id="4" name="文本框 3"/>
+      <p:pic>
+        <p:nvPicPr>
+          <p:cNvPr id="10" name="图片 9">
+            <a:extLst>
+              <a:ext uri="{FF2B5EF4-FFF2-40B4-BE49-F238E27FC236}">
+                <a16:creationId xmlns:a16="http://schemas.microsoft.com/office/drawing/2014/main" id="{B0480AC6-6239-4042-BA30-D74630B66DC9}"/>
+              </a:ext>
+            </a:extLst>
+          </p:cNvPr>
+          <p:cNvPicPr>
+            <a:picLocks noChangeAspect="1"/>
+          </p:cNvPicPr>
+          <p:nvPr/>
+        </p:nvPicPr>
+        <p:blipFill>
+          <a:blip r:embed="rId2">
+            <a:extLst>
+              <a:ext uri="{28A0092B-C50C-407E-A947-70E740481C1C}">
+                <a14:useLocalDpi xmlns:a14="http://schemas.microsoft.com/office/drawing/2010/main" val="0"/>
+              </a:ext>
+            </a:extLst>
+          </a:blip>
+          <a:stretch>
+            <a:fillRect/>
+          </a:stretch>
+        </p:blipFill>
+        <p:spPr>
+          <a:xfrm>
+            <a:off x="29032" y="0"/>
+            <a:ext cx="12133935" cy="6858000"/>
+          </a:xfrm>
+          <a:prstGeom prst="rect">
+            <a:avLst/>
+          </a:prstGeom>
+        </p:spPr>
+      </p:pic>
+      <p:sp>
+        <p:nvSpPr>
+          <p:cNvPr id="13" name="文本框 12">
+            <a:extLst>
+              <a:ext uri="{FF2B5EF4-FFF2-40B4-BE49-F238E27FC236}">
+                <a16:creationId xmlns:a16="http://schemas.microsoft.com/office/drawing/2014/main" id="{73C0D581-E03A-44EC-AD0B-EF9085D2D511}"/>
+              </a:ext>
+            </a:extLst>
+          </p:cNvPr>
           <p:cNvSpPr txBox="1"/>
           <p:nvPr/>
         </p:nvSpPr>
         <p:spPr>
           <a:xfrm>
-            <a:off x="2947596" y="311973"/>
-            <a:ext cx="5787614" cy="769441"/>
+            <a:off x="2846567" y="485030"/>
+            <a:ext cx="184731" cy="369332"/>
           </a:xfrm>
           <a:prstGeom prst="rect">
             <a:avLst/>
@@ -7659,34 +7644,31 @@
           <a:noFill/>
         </p:spPr>
         <p:txBody>
-          <a:bodyPr wrap="square" rtlCol="0">
+          <a:bodyPr wrap="none" rtlCol="0">
             <a:spAutoFit/>
           </a:bodyPr>
           <a:lstStyle/>
           <a:p>
-            <a:pPr algn="ctr"/>
-            <a:r>
-              <a:rPr kumimoji="1" lang="zh-CN" altLang="en-US" sz="4400" dirty="0" smtClean="0"/>
-              <a:t>解决方法</a:t>
-            </a:r>
-            <a:r>
-              <a:rPr kumimoji="1" lang="en-US" altLang="zh-CN" sz="4400" dirty="0" smtClean="0"/>
-              <a:t>1</a:t>
-            </a:r>
-            <a:endParaRPr kumimoji="1" lang="zh-CN" altLang="en-US" sz="4400" dirty="0"/>
-          </a:p>
-        </p:txBody>
-      </p:sp>
-      <p:sp>
-        <p:nvSpPr>
-          <p:cNvPr id="6" name="文本框 5"/>
+            <a:endParaRPr lang="zh-CN" altLang="en-US" dirty="0"/>
+          </a:p>
+        </p:txBody>
+      </p:sp>
+      <p:sp>
+        <p:nvSpPr>
+          <p:cNvPr id="14" name="文本框 13">
+            <a:extLst>
+              <a:ext uri="{FF2B5EF4-FFF2-40B4-BE49-F238E27FC236}">
+                <a16:creationId xmlns:a16="http://schemas.microsoft.com/office/drawing/2014/main" id="{5CDFFF60-E175-4E5E-A1A2-83942868ECD8}"/>
+              </a:ext>
+            </a:extLst>
+          </p:cNvPr>
           <p:cNvSpPr txBox="1"/>
           <p:nvPr/>
         </p:nvSpPr>
         <p:spPr>
           <a:xfrm>
-            <a:off x="1034526" y="1497107"/>
-            <a:ext cx="10131911" cy="2062103"/>
+            <a:off x="2397317" y="317808"/>
+            <a:ext cx="898500" cy="461665"/>
           </a:xfrm>
           <a:prstGeom prst="rect">
             <a:avLst/>
@@ -7700,45 +7682,810 @@
           <a:lstStyle/>
           <a:p>
             <a:r>
-              <a:rPr kumimoji="1" lang="en-US" altLang="zh-CN" sz="3200" dirty="0" smtClean="0"/>
-              <a:t>	</a:t>
-            </a:r>
-            <a:r>
-              <a:rPr kumimoji="1" lang="zh-CN" altLang="en-US" sz="3200" dirty="0" smtClean="0"/>
-              <a:t>尽管资源较少，但综合了百度、</a:t>
-            </a:r>
-            <a:r>
-              <a:rPr kumimoji="1" lang="en-US" altLang="zh-CN" sz="3200" dirty="0" smtClean="0"/>
-              <a:t>google</a:t>
-            </a:r>
-            <a:r>
-              <a:rPr kumimoji="1" lang="zh-CN" altLang="en-US" sz="3200" dirty="0" smtClean="0"/>
-              <a:t>上的各类简易教程，尤其是</a:t>
-            </a:r>
-            <a:r>
-              <a:rPr kumimoji="1" lang="en-US" altLang="zh-CN" sz="3200" dirty="0" err="1" smtClean="0"/>
+              <a:rPr lang="zh-CN" altLang="en-US" sz="2400" b="1" dirty="0"/>
+              <a:t>背景</a:t>
+            </a:r>
+          </a:p>
+        </p:txBody>
+      </p:sp>
+      <p:sp>
+        <p:nvSpPr>
+          <p:cNvPr id="15" name="文本框 14">
+            <a:extLst>
+              <a:ext uri="{FF2B5EF4-FFF2-40B4-BE49-F238E27FC236}">
+                <a16:creationId xmlns:a16="http://schemas.microsoft.com/office/drawing/2014/main" id="{E0816C46-525A-4151-BCE4-16288B391D46}"/>
+              </a:ext>
+            </a:extLst>
+          </p:cNvPr>
+          <p:cNvSpPr txBox="1"/>
+          <p:nvPr/>
+        </p:nvSpPr>
+        <p:spPr>
+          <a:xfrm>
+            <a:off x="3967702" y="269587"/>
+            <a:ext cx="6694998" cy="584775"/>
+          </a:xfrm>
+          <a:prstGeom prst="rect">
+            <a:avLst/>
+          </a:prstGeom>
+          <a:noFill/>
+        </p:spPr>
+        <p:txBody>
+          <a:bodyPr wrap="square" rtlCol="0">
+            <a:spAutoFit/>
+          </a:bodyPr>
+          <a:lstStyle/>
+          <a:p>
+            <a:r>
+              <a:rPr lang="en-US" altLang="zh-CN" sz="1600" dirty="0"/>
+              <a:t>1.</a:t>
+            </a:r>
+            <a:r>
+              <a:rPr lang="zh-CN" altLang="en-US" sz="1600" dirty="0"/>
+              <a:t>小组刚成立，对组员彼此不是特别熟悉</a:t>
+            </a:r>
+          </a:p>
+          <a:p>
+            <a:r>
+              <a:rPr lang="en-US" altLang="zh-CN" sz="1600" dirty="0"/>
+              <a:t>2.</a:t>
+            </a:r>
+            <a:r>
+              <a:rPr lang="zh-CN" altLang="en-US" sz="1600" dirty="0"/>
+              <a:t>第一周部分组员已经开始学习</a:t>
+            </a:r>
+            <a:r>
+              <a:rPr lang="en-US" altLang="zh-CN" sz="1600" dirty="0"/>
+              <a:t>Project 1,2,3</a:t>
+            </a:r>
+            <a:r>
+              <a:rPr lang="zh-CN" altLang="en-US" sz="1600" dirty="0"/>
+              <a:t>的内容</a:t>
+            </a:r>
+          </a:p>
+        </p:txBody>
+      </p:sp>
+      <p:sp>
+        <p:nvSpPr>
+          <p:cNvPr id="17" name="矩形 16">
+            <a:extLst>
+              <a:ext uri="{FF2B5EF4-FFF2-40B4-BE49-F238E27FC236}">
+                <a16:creationId xmlns:a16="http://schemas.microsoft.com/office/drawing/2014/main" id="{504F3BE8-B985-408C-A351-30E84024C918}"/>
+              </a:ext>
+            </a:extLst>
+          </p:cNvPr>
+          <p:cNvSpPr/>
+          <p:nvPr/>
+        </p:nvSpPr>
+        <p:spPr>
+          <a:xfrm>
+            <a:off x="9856968" y="2485634"/>
+            <a:ext cx="1611464" cy="2308324"/>
+          </a:xfrm>
+          <a:prstGeom prst="rect">
+            <a:avLst/>
+          </a:prstGeom>
+        </p:spPr>
+        <p:txBody>
+          <a:bodyPr wrap="square">
+            <a:spAutoFit/>
+          </a:bodyPr>
+          <a:lstStyle/>
+          <a:p>
+            <a:r>
+              <a:rPr lang="zh-CN" altLang="en-US" dirty="0"/>
+              <a:t>上课内容，教材，</a:t>
+            </a:r>
+            <a:r>
+              <a:rPr lang="en-US" altLang="zh-CN" dirty="0"/>
+              <a:t>Git</a:t>
+            </a:r>
+            <a:r>
+              <a:rPr lang="zh-CN" altLang="en-US" dirty="0"/>
+              <a:t>简易教程，</a:t>
+            </a:r>
+            <a:r>
+              <a:rPr lang="en-US" altLang="zh-CN" dirty="0"/>
+              <a:t>Wiki</a:t>
+            </a:r>
+            <a:r>
+              <a:rPr lang="zh-CN" altLang="en-US" dirty="0"/>
+              <a:t>语法教程，</a:t>
+            </a:r>
+            <a:r>
+              <a:rPr lang="en-US" altLang="zh-CN" dirty="0"/>
+              <a:t>GitHub</a:t>
+            </a:r>
+            <a:r>
+              <a:rPr lang="zh-CN" altLang="en-US" dirty="0"/>
+              <a:t>网站，</a:t>
+            </a:r>
+            <a:r>
+              <a:rPr lang="en-US" altLang="zh-CN" dirty="0"/>
+              <a:t>Nand2Tetris</a:t>
+            </a:r>
+            <a:r>
+              <a:rPr lang="zh-CN" altLang="en-US" dirty="0"/>
+              <a:t>课程网站</a:t>
+            </a:r>
+            <a:r>
+              <a:rPr lang="en-US" altLang="zh-CN" dirty="0" err="1"/>
               <a:t>Stackoverflow</a:t>
             </a:r>
-            <a:r>
-              <a:rPr kumimoji="1" lang="zh-CN" altLang="en-US" sz="3200" dirty="0" smtClean="0"/>
-              <a:t> 中解答了大量关于安装运行以及各种报错的问题，顺利地在两三个小时内成功运行了</a:t>
-            </a:r>
-            <a:r>
-              <a:rPr kumimoji="1" lang="en-US" altLang="zh-CN" sz="3200" dirty="0" smtClean="0"/>
-              <a:t>Lex</a:t>
-            </a:r>
-            <a:r>
-              <a:rPr kumimoji="1" lang="zh-CN" altLang="en-US" sz="3200" dirty="0" smtClean="0"/>
-              <a:t>。</a:t>
-            </a:r>
-            <a:endParaRPr kumimoji="1" lang="zh-CN" altLang="en-US" sz="3200" dirty="0"/>
+            <a:endParaRPr lang="zh-CN" altLang="en-US" dirty="0"/>
+          </a:p>
+        </p:txBody>
+      </p:sp>
+      <p:sp>
+        <p:nvSpPr>
+          <p:cNvPr id="18" name="文本框 17">
+            <a:extLst>
+              <a:ext uri="{FF2B5EF4-FFF2-40B4-BE49-F238E27FC236}">
+                <a16:creationId xmlns:a16="http://schemas.microsoft.com/office/drawing/2014/main" id="{D29AB533-4743-4ADC-A3B0-60435282A9A4}"/>
+              </a:ext>
+            </a:extLst>
+          </p:cNvPr>
+          <p:cNvSpPr txBox="1"/>
+          <p:nvPr/>
+        </p:nvSpPr>
+        <p:spPr>
+          <a:xfrm>
+            <a:off x="2397317" y="1097281"/>
+            <a:ext cx="800219" cy="461665"/>
+          </a:xfrm>
+          <a:prstGeom prst="rect">
+            <a:avLst/>
+          </a:prstGeom>
+          <a:noFill/>
+        </p:spPr>
+        <p:txBody>
+          <a:bodyPr wrap="none" rtlCol="0">
+            <a:spAutoFit/>
+          </a:bodyPr>
+          <a:lstStyle/>
+          <a:p>
+            <a:r>
+              <a:rPr lang="zh-CN" altLang="en-US" sz="2400" b="1" dirty="0"/>
+              <a:t>目标</a:t>
+            </a:r>
+          </a:p>
+        </p:txBody>
+      </p:sp>
+      <p:sp>
+        <p:nvSpPr>
+          <p:cNvPr id="19" name="文本框 18">
+            <a:extLst>
+              <a:ext uri="{FF2B5EF4-FFF2-40B4-BE49-F238E27FC236}">
+                <a16:creationId xmlns:a16="http://schemas.microsoft.com/office/drawing/2014/main" id="{3243E392-7BD9-415A-AE62-A5F26FC0B63D}"/>
+              </a:ext>
+            </a:extLst>
+          </p:cNvPr>
+          <p:cNvSpPr txBox="1"/>
+          <p:nvPr/>
+        </p:nvSpPr>
+        <p:spPr>
+          <a:xfrm>
+            <a:off x="7690236" y="1956021"/>
+            <a:ext cx="800219" cy="461665"/>
+          </a:xfrm>
+          <a:prstGeom prst="rect">
+            <a:avLst/>
+          </a:prstGeom>
+          <a:noFill/>
+        </p:spPr>
+        <p:txBody>
+          <a:bodyPr wrap="none" rtlCol="0">
+            <a:spAutoFit/>
+          </a:bodyPr>
+          <a:lstStyle/>
+          <a:p>
+            <a:r>
+              <a:rPr lang="zh-CN" altLang="en-US" sz="2400" b="1" dirty="0"/>
+              <a:t>过程</a:t>
+            </a:r>
+          </a:p>
+        </p:txBody>
+      </p:sp>
+      <p:sp>
+        <p:nvSpPr>
+          <p:cNvPr id="20" name="文本框 19">
+            <a:extLst>
+              <a:ext uri="{FF2B5EF4-FFF2-40B4-BE49-F238E27FC236}">
+                <a16:creationId xmlns:a16="http://schemas.microsoft.com/office/drawing/2014/main" id="{5924EC8A-E927-445B-B081-99FC298D660F}"/>
+              </a:ext>
+            </a:extLst>
+          </p:cNvPr>
+          <p:cNvSpPr txBox="1"/>
+          <p:nvPr/>
+        </p:nvSpPr>
+        <p:spPr>
+          <a:xfrm>
+            <a:off x="5155095" y="1956020"/>
+            <a:ext cx="800219" cy="461665"/>
+          </a:xfrm>
+          <a:prstGeom prst="rect">
+            <a:avLst/>
+          </a:prstGeom>
+          <a:noFill/>
+        </p:spPr>
+        <p:txBody>
+          <a:bodyPr wrap="none" rtlCol="0">
+            <a:spAutoFit/>
+          </a:bodyPr>
+          <a:lstStyle/>
+          <a:p>
+            <a:r>
+              <a:rPr lang="zh-CN" altLang="en-US" sz="2400" b="1" dirty="0"/>
+              <a:t>输出</a:t>
+            </a:r>
+          </a:p>
+        </p:txBody>
+      </p:sp>
+      <p:sp>
+        <p:nvSpPr>
+          <p:cNvPr id="21" name="文本框 20">
+            <a:extLst>
+              <a:ext uri="{FF2B5EF4-FFF2-40B4-BE49-F238E27FC236}">
+                <a16:creationId xmlns:a16="http://schemas.microsoft.com/office/drawing/2014/main" id="{5BEBC9F5-D10E-43C0-BAC8-A98976EE18F4}"/>
+              </a:ext>
+            </a:extLst>
+          </p:cNvPr>
+          <p:cNvSpPr txBox="1"/>
+          <p:nvPr/>
+        </p:nvSpPr>
+        <p:spPr>
+          <a:xfrm>
+            <a:off x="2659306" y="1956020"/>
+            <a:ext cx="800219" cy="461665"/>
+          </a:xfrm>
+          <a:prstGeom prst="rect">
+            <a:avLst/>
+          </a:prstGeom>
+          <a:noFill/>
+        </p:spPr>
+        <p:txBody>
+          <a:bodyPr wrap="none" rtlCol="0">
+            <a:spAutoFit/>
+          </a:bodyPr>
+          <a:lstStyle/>
+          <a:p>
+            <a:r>
+              <a:rPr lang="zh-CN" altLang="en-US" sz="2400" b="1" dirty="0"/>
+              <a:t>效果</a:t>
+            </a:r>
+          </a:p>
+        </p:txBody>
+      </p:sp>
+      <p:sp>
+        <p:nvSpPr>
+          <p:cNvPr id="22" name="文本框 21">
+            <a:extLst>
+              <a:ext uri="{FF2B5EF4-FFF2-40B4-BE49-F238E27FC236}">
+                <a16:creationId xmlns:a16="http://schemas.microsoft.com/office/drawing/2014/main" id="{9350327F-C1D8-43CC-88FA-47B62BF50C3A}"/>
+              </a:ext>
+            </a:extLst>
+          </p:cNvPr>
+          <p:cNvSpPr txBox="1"/>
+          <p:nvPr/>
+        </p:nvSpPr>
+        <p:spPr>
+          <a:xfrm>
+            <a:off x="10262590" y="1949769"/>
+            <a:ext cx="800219" cy="461665"/>
+          </a:xfrm>
+          <a:prstGeom prst="rect">
+            <a:avLst/>
+          </a:prstGeom>
+          <a:noFill/>
+        </p:spPr>
+        <p:txBody>
+          <a:bodyPr wrap="none" rtlCol="0">
+            <a:spAutoFit/>
+          </a:bodyPr>
+          <a:lstStyle/>
+          <a:p>
+            <a:r>
+              <a:rPr lang="zh-CN" altLang="en-US" sz="2400" b="1" dirty="0"/>
+              <a:t>输入</a:t>
+            </a:r>
+          </a:p>
+        </p:txBody>
+      </p:sp>
+      <p:sp>
+        <p:nvSpPr>
+          <p:cNvPr id="23" name="矩形 22">
+            <a:extLst>
+              <a:ext uri="{FF2B5EF4-FFF2-40B4-BE49-F238E27FC236}">
+                <a16:creationId xmlns:a16="http://schemas.microsoft.com/office/drawing/2014/main" id="{49089938-1517-467F-B295-EE38A57142D7}"/>
+              </a:ext>
+            </a:extLst>
+          </p:cNvPr>
+          <p:cNvSpPr/>
+          <p:nvPr/>
+        </p:nvSpPr>
+        <p:spPr>
+          <a:xfrm>
+            <a:off x="7081880" y="2571901"/>
+            <a:ext cx="2126723" cy="2862322"/>
+          </a:xfrm>
+          <a:prstGeom prst="rect">
+            <a:avLst/>
+          </a:prstGeom>
+        </p:spPr>
+        <p:txBody>
+          <a:bodyPr wrap="square">
+            <a:spAutoFit/>
+          </a:bodyPr>
+          <a:lstStyle/>
+          <a:p>
+            <a:r>
+              <a:rPr lang="en-US" altLang="zh-CN" dirty="0"/>
+              <a:t>1.</a:t>
+            </a:r>
+            <a:r>
+              <a:rPr lang="zh-CN" altLang="en-US" dirty="0"/>
+              <a:t>学习</a:t>
+            </a:r>
+            <a:r>
+              <a:rPr lang="en-US" altLang="zh-CN" dirty="0"/>
+              <a:t>Project 10,12</a:t>
+            </a:r>
+            <a:r>
+              <a:rPr lang="zh-CN" altLang="en-US" dirty="0"/>
+              <a:t>的内容</a:t>
+            </a:r>
+            <a:r>
+              <a:rPr lang="en-US" altLang="zh-CN" dirty="0"/>
+              <a:t>(</a:t>
+            </a:r>
+            <a:r>
+              <a:rPr lang="zh-CN" altLang="en-US" dirty="0"/>
+              <a:t>编译器的语法分析</a:t>
+            </a:r>
+            <a:r>
+              <a:rPr lang="en-US" altLang="zh-CN" dirty="0"/>
+              <a:t>, </a:t>
+            </a:r>
+            <a:r>
+              <a:rPr lang="zh-CN" altLang="en-US" dirty="0"/>
+              <a:t>操作系统）</a:t>
+            </a:r>
+          </a:p>
+          <a:p>
+            <a:r>
+              <a:rPr lang="en-US" altLang="zh-CN" dirty="0"/>
+              <a:t>2.</a:t>
+            </a:r>
+            <a:r>
+              <a:rPr lang="zh-CN" altLang="en-US" dirty="0"/>
+              <a:t>尝试编写</a:t>
+            </a:r>
+            <a:r>
+              <a:rPr lang="en-US" altLang="zh-CN" dirty="0"/>
+              <a:t>Project</a:t>
+            </a:r>
+            <a:r>
+              <a:rPr lang="zh-CN" altLang="en-US" dirty="0"/>
+              <a:t>后的作业</a:t>
+            </a:r>
+          </a:p>
+          <a:p>
+            <a:r>
+              <a:rPr lang="en-US" altLang="zh-CN" dirty="0"/>
+              <a:t>3.</a:t>
+            </a:r>
+            <a:r>
+              <a:rPr lang="zh-CN" altLang="en-US" dirty="0"/>
+              <a:t>在网上寻找</a:t>
+            </a:r>
+            <a:r>
+              <a:rPr lang="en-US" altLang="zh-CN" dirty="0"/>
+              <a:t>Git</a:t>
+            </a:r>
+            <a:r>
+              <a:rPr lang="zh-CN" altLang="en-US" dirty="0"/>
+              <a:t>教程，如</a:t>
+            </a:r>
+            <a:r>
+              <a:rPr lang="zh-CN" altLang="en-US" dirty="0">
+                <a:hlinkClick r:id="rId3"/>
+              </a:rPr>
+              <a:t>廖雪峰</a:t>
+            </a:r>
+            <a:r>
+              <a:rPr lang="en-US" altLang="zh-CN" dirty="0">
+                <a:hlinkClick r:id="rId3"/>
+              </a:rPr>
+              <a:t>Git</a:t>
+            </a:r>
+            <a:r>
+              <a:rPr lang="zh-CN" altLang="en-US" dirty="0">
+                <a:hlinkClick r:id="rId3"/>
+              </a:rPr>
+              <a:t>教程</a:t>
+            </a:r>
+            <a:endParaRPr lang="zh-CN" altLang="en-US" dirty="0"/>
+          </a:p>
+          <a:p>
+            <a:r>
+              <a:rPr lang="en-US" altLang="zh-CN" dirty="0"/>
+              <a:t>4.</a:t>
+            </a:r>
+            <a:r>
+              <a:rPr lang="zh-CN" altLang="en-US" dirty="0"/>
+              <a:t>实践如何使用</a:t>
+            </a:r>
+            <a:r>
+              <a:rPr lang="en-US" altLang="zh-CN" dirty="0"/>
+              <a:t>Git</a:t>
+            </a:r>
+            <a:r>
+              <a:rPr lang="zh-CN" altLang="en-US" dirty="0"/>
+              <a:t>的一系列指令集</a:t>
+            </a:r>
+          </a:p>
+        </p:txBody>
+      </p:sp>
+      <p:sp>
+        <p:nvSpPr>
+          <p:cNvPr id="26" name="矩形 25">
+            <a:extLst>
+              <a:ext uri="{FF2B5EF4-FFF2-40B4-BE49-F238E27FC236}">
+                <a16:creationId xmlns:a16="http://schemas.microsoft.com/office/drawing/2014/main" id="{8ABC6FAF-BF4C-47B5-974C-6D6E92F90468}"/>
+              </a:ext>
+            </a:extLst>
+          </p:cNvPr>
+          <p:cNvSpPr/>
+          <p:nvPr/>
+        </p:nvSpPr>
+        <p:spPr>
+          <a:xfrm>
+            <a:off x="4794223" y="2612854"/>
+            <a:ext cx="1593122" cy="923330"/>
+          </a:xfrm>
+          <a:prstGeom prst="rect">
+            <a:avLst/>
+          </a:prstGeom>
+        </p:spPr>
+        <p:txBody>
+          <a:bodyPr wrap="square">
+            <a:spAutoFit/>
+          </a:bodyPr>
+          <a:lstStyle/>
+          <a:p>
+            <a:r>
+              <a:rPr lang="zh-CN" altLang="en-US" dirty="0"/>
+              <a:t>小组学习报告</a:t>
+            </a:r>
+            <a:r>
+              <a:rPr lang="en-US" altLang="zh-CN" dirty="0"/>
+              <a:t>,</a:t>
+            </a:r>
+            <a:r>
+              <a:rPr lang="zh-CN" altLang="en-US" dirty="0"/>
+              <a:t>组员个人学习报告</a:t>
+            </a:r>
+          </a:p>
+        </p:txBody>
+      </p:sp>
+      <p:sp>
+        <p:nvSpPr>
+          <p:cNvPr id="27" name="矩形 26">
+            <a:extLst>
+              <a:ext uri="{FF2B5EF4-FFF2-40B4-BE49-F238E27FC236}">
+                <a16:creationId xmlns:a16="http://schemas.microsoft.com/office/drawing/2014/main" id="{4A51F31B-9087-492B-BC6A-9DEFED22FB5D}"/>
+              </a:ext>
+            </a:extLst>
+          </p:cNvPr>
+          <p:cNvSpPr/>
+          <p:nvPr/>
+        </p:nvSpPr>
+        <p:spPr>
+          <a:xfrm>
+            <a:off x="2324708" y="2587803"/>
+            <a:ext cx="1639020" cy="2308324"/>
+          </a:xfrm>
+          <a:prstGeom prst="rect">
+            <a:avLst/>
+          </a:prstGeom>
+        </p:spPr>
+        <p:txBody>
+          <a:bodyPr wrap="square">
+            <a:spAutoFit/>
+          </a:bodyPr>
+          <a:lstStyle/>
+          <a:p>
+            <a:pPr>
+              <a:buFont typeface="Arial" panose="020B0604020202020204" pitchFamily="34" charset="0"/>
+              <a:buChar char="•"/>
+            </a:pPr>
+            <a:r>
+              <a:rPr lang="en-US" altLang="zh-CN" b="0" i="0" dirty="0">
+                <a:effectLst/>
+                <a:latin typeface="-apple-system"/>
+              </a:rPr>
+              <a:t>1.</a:t>
+            </a:r>
+            <a:r>
+              <a:rPr lang="zh-CN" altLang="en-US" b="0" i="0" dirty="0">
+                <a:effectLst/>
+                <a:latin typeface="-apple-system"/>
+              </a:rPr>
+              <a:t>组员对编译器工作原理以及操作系统服务的实现过程有了初步了解</a:t>
+            </a:r>
+            <a:endParaRPr lang="en-US" altLang="zh-CN" b="0" i="0" dirty="0">
+              <a:effectLst/>
+              <a:latin typeface="-apple-system"/>
+            </a:endParaRPr>
+          </a:p>
+          <a:p>
+            <a:pPr>
+              <a:buFont typeface="Arial" panose="020B0604020202020204" pitchFamily="34" charset="0"/>
+              <a:buChar char="•"/>
+            </a:pPr>
+            <a:endParaRPr lang="zh-CN" altLang="en-US" b="0" i="0" dirty="0">
+              <a:effectLst/>
+              <a:latin typeface="-apple-system"/>
+            </a:endParaRPr>
+          </a:p>
+          <a:p>
+            <a:pPr>
+              <a:buFont typeface="Arial" panose="020B0604020202020204" pitchFamily="34" charset="0"/>
+              <a:buChar char="•"/>
+            </a:pPr>
+            <a:r>
+              <a:rPr lang="en-US" altLang="zh-CN" b="0" i="0" dirty="0">
+                <a:effectLst/>
+                <a:latin typeface="-apple-system"/>
+              </a:rPr>
+              <a:t>2.</a:t>
+            </a:r>
+            <a:r>
+              <a:rPr lang="zh-CN" altLang="en-US" b="0" i="0" dirty="0">
+                <a:effectLst/>
+                <a:latin typeface="-apple-system"/>
+              </a:rPr>
+              <a:t>学会使用</a:t>
+            </a:r>
+            <a:r>
+              <a:rPr lang="en-US" altLang="zh-CN" b="0" i="0" dirty="0">
+                <a:effectLst/>
+                <a:latin typeface="-apple-system"/>
+              </a:rPr>
+              <a:t>Git</a:t>
+            </a:r>
+            <a:r>
+              <a:rPr lang="zh-CN" altLang="en-US" b="0" i="0" dirty="0">
+                <a:effectLst/>
+                <a:latin typeface="-apple-system"/>
+              </a:rPr>
+              <a:t>指令集</a:t>
+            </a:r>
+          </a:p>
+        </p:txBody>
+      </p:sp>
+      <p:sp>
+        <p:nvSpPr>
+          <p:cNvPr id="28" name="文本框 27">
+            <a:extLst>
+              <a:ext uri="{FF2B5EF4-FFF2-40B4-BE49-F238E27FC236}">
+                <a16:creationId xmlns:a16="http://schemas.microsoft.com/office/drawing/2014/main" id="{DB3CF7F1-C67E-4A6F-B092-5938A46F7B2B}"/>
+              </a:ext>
+            </a:extLst>
+          </p:cNvPr>
+          <p:cNvSpPr txBox="1"/>
+          <p:nvPr/>
+        </p:nvSpPr>
+        <p:spPr>
+          <a:xfrm>
+            <a:off x="458012" y="2644170"/>
+            <a:ext cx="479239" cy="1569660"/>
+          </a:xfrm>
+          <a:prstGeom prst="rect">
+            <a:avLst/>
+          </a:prstGeom>
+          <a:noFill/>
+        </p:spPr>
+        <p:txBody>
+          <a:bodyPr wrap="square" rtlCol="0">
+            <a:spAutoFit/>
+          </a:bodyPr>
+          <a:lstStyle/>
+          <a:p>
+            <a:r>
+              <a:rPr lang="zh-CN" altLang="en-US" sz="2400" b="1" dirty="0"/>
+              <a:t>逻辑模型</a:t>
+            </a:r>
+          </a:p>
+        </p:txBody>
+      </p:sp>
+      <p:sp>
+        <p:nvSpPr>
+          <p:cNvPr id="29" name="文本框 28">
+            <a:extLst>
+              <a:ext uri="{FF2B5EF4-FFF2-40B4-BE49-F238E27FC236}">
+                <a16:creationId xmlns:a16="http://schemas.microsoft.com/office/drawing/2014/main" id="{3DC56A8C-7386-4D0E-A37E-01B7766CA61A}"/>
+              </a:ext>
+            </a:extLst>
+          </p:cNvPr>
+          <p:cNvSpPr txBox="1"/>
+          <p:nvPr/>
+        </p:nvSpPr>
+        <p:spPr>
+          <a:xfrm>
+            <a:off x="2489650" y="6167903"/>
+            <a:ext cx="1415772" cy="461665"/>
+          </a:xfrm>
+          <a:prstGeom prst="rect">
+            <a:avLst/>
+          </a:prstGeom>
+          <a:noFill/>
+        </p:spPr>
+        <p:txBody>
+          <a:bodyPr wrap="none" rtlCol="0">
+            <a:spAutoFit/>
+          </a:bodyPr>
+          <a:lstStyle/>
+          <a:p>
+            <a:r>
+              <a:rPr lang="zh-CN" altLang="en-US" sz="2400" b="1" dirty="0"/>
+              <a:t>外部因素</a:t>
+            </a:r>
+          </a:p>
+        </p:txBody>
+      </p:sp>
+      <p:sp>
+        <p:nvSpPr>
+          <p:cNvPr id="30" name="矩形 29">
+            <a:extLst>
+              <a:ext uri="{FF2B5EF4-FFF2-40B4-BE49-F238E27FC236}">
+                <a16:creationId xmlns:a16="http://schemas.microsoft.com/office/drawing/2014/main" id="{1676E6BB-0E2C-440A-AF49-1BF0FFAEB41A}"/>
+              </a:ext>
+            </a:extLst>
+          </p:cNvPr>
+          <p:cNvSpPr/>
+          <p:nvPr/>
+        </p:nvSpPr>
+        <p:spPr>
+          <a:xfrm>
+            <a:off x="4642235" y="6044289"/>
+            <a:ext cx="7348331" cy="584775"/>
+          </a:xfrm>
+          <a:prstGeom prst="rect">
+            <a:avLst/>
+          </a:prstGeom>
+        </p:spPr>
+        <p:txBody>
+          <a:bodyPr wrap="square">
+            <a:spAutoFit/>
+          </a:bodyPr>
+          <a:lstStyle/>
+          <a:p>
+            <a:pPr>
+              <a:buFont typeface="Arial" panose="020B0604020202020204" pitchFamily="34" charset="0"/>
+              <a:buChar char="•"/>
+            </a:pPr>
+            <a:r>
+              <a:rPr lang="en-US" altLang="zh-CN" sz="1600" b="0" i="0" dirty="0">
+                <a:effectLst/>
+                <a:latin typeface="-apple-system"/>
+              </a:rPr>
+              <a:t>1.</a:t>
+            </a:r>
+            <a:r>
+              <a:rPr lang="zh-CN" altLang="en-US" sz="1600" b="0" i="0" dirty="0">
+                <a:effectLst/>
+                <a:latin typeface="-apple-system"/>
+              </a:rPr>
+              <a:t>组员太少，无法形成有效的交流</a:t>
+            </a:r>
+          </a:p>
+          <a:p>
+            <a:pPr>
+              <a:buFont typeface="Arial" panose="020B0604020202020204" pitchFamily="34" charset="0"/>
+              <a:buChar char="•"/>
+            </a:pPr>
+            <a:r>
+              <a:rPr lang="en-US" altLang="zh-CN" sz="1600" b="0" i="0" dirty="0">
+                <a:effectLst/>
+                <a:latin typeface="-apple-system"/>
+              </a:rPr>
+              <a:t>2.</a:t>
+            </a:r>
+            <a:r>
+              <a:rPr lang="zh-CN" altLang="en-US" sz="1600" b="0" i="0" dirty="0">
+                <a:effectLst/>
+                <a:latin typeface="-apple-system"/>
+              </a:rPr>
+              <a:t>分到的</a:t>
+            </a:r>
+            <a:r>
+              <a:rPr lang="en-US" altLang="zh-CN" sz="1600" b="0" i="0" dirty="0">
+                <a:effectLst/>
+                <a:latin typeface="-apple-system"/>
+              </a:rPr>
+              <a:t>Project</a:t>
+            </a:r>
+            <a:r>
+              <a:rPr lang="zh-CN" altLang="en-US" sz="1600" b="0" i="0" dirty="0">
+                <a:effectLst/>
+                <a:latin typeface="-apple-system"/>
+              </a:rPr>
+              <a:t>太靠后，完成作业需要前面的</a:t>
+            </a:r>
+            <a:r>
+              <a:rPr lang="en-US" altLang="zh-CN" sz="1600" b="0" i="0" dirty="0">
+                <a:effectLst/>
+                <a:latin typeface="-apple-system"/>
+              </a:rPr>
+              <a:t>Jack</a:t>
+            </a:r>
+            <a:r>
+              <a:rPr lang="zh-CN" altLang="en-US" sz="1600" b="0" i="0" dirty="0">
+                <a:effectLst/>
+                <a:latin typeface="-apple-system"/>
+              </a:rPr>
+              <a:t>语法基础，完成起来较为困难</a:t>
+            </a:r>
+          </a:p>
+        </p:txBody>
+      </p:sp>
+      <p:sp>
+        <p:nvSpPr>
+          <p:cNvPr id="31" name="矩形 30">
+            <a:extLst>
+              <a:ext uri="{FF2B5EF4-FFF2-40B4-BE49-F238E27FC236}">
+                <a16:creationId xmlns:a16="http://schemas.microsoft.com/office/drawing/2014/main" id="{B2158B8D-F959-4A6C-A6E8-DB2DA828A864}"/>
+              </a:ext>
+            </a:extLst>
+          </p:cNvPr>
+          <p:cNvSpPr/>
+          <p:nvPr/>
+        </p:nvSpPr>
+        <p:spPr>
+          <a:xfrm>
+            <a:off x="3963728" y="1138657"/>
+            <a:ext cx="6173485" cy="369332"/>
+          </a:xfrm>
+          <a:prstGeom prst="rect">
+            <a:avLst/>
+          </a:prstGeom>
+        </p:spPr>
+        <p:txBody>
+          <a:bodyPr wrap="none">
+            <a:spAutoFit/>
+          </a:bodyPr>
+          <a:lstStyle/>
+          <a:p>
+            <a:r>
+              <a:rPr lang="zh-CN" altLang="en-US" b="0" i="0" dirty="0">
+                <a:effectLst/>
+                <a:latin typeface="-apple-system"/>
+              </a:rPr>
+              <a:t>掌握</a:t>
+            </a:r>
+            <a:r>
+              <a:rPr lang="en-US" altLang="zh-CN" b="0" i="0" dirty="0">
+                <a:effectLst/>
+                <a:latin typeface="-apple-system"/>
+              </a:rPr>
+              <a:t>Git</a:t>
+            </a:r>
+            <a:r>
+              <a:rPr lang="zh-CN" altLang="en-US" b="0" i="0" dirty="0">
+                <a:effectLst/>
+                <a:latin typeface="-apple-system"/>
+              </a:rPr>
+              <a:t>的使用方法，学会编译器原理以及操作系统的实现</a:t>
+            </a:r>
+            <a:endParaRPr lang="zh-CN" altLang="en-US" dirty="0"/>
           </a:p>
         </p:txBody>
       </p:sp>
     </p:spTree>
     <p:extLst>
       <p:ext uri="{BB962C8B-B14F-4D97-AF65-F5344CB8AC3E}">
-        <p14:creationId xmlns:p14="http://schemas.microsoft.com/office/powerpoint/2010/main" val="368084625"/>
+        <p14:creationId xmlns:p14="http://schemas.microsoft.com/office/powerpoint/2010/main" val="1231485288"/>
       </p:ext>
     </p:extLst>
   </p:cSld>
@@ -7789,27 +8536,26 @@
           <a:p>
             <a:pPr algn="ctr"/>
             <a:r>
-              <a:rPr kumimoji="1" lang="zh-CN" altLang="en-US" sz="4400" dirty="0" smtClean="0"/>
-              <a:t>解决方法</a:t>
-            </a:r>
-            <a:r>
               <a:rPr kumimoji="1" lang="en-US" altLang="zh-CN" sz="4400" dirty="0"/>
-              <a:t>2</a:t>
-            </a:r>
-            <a:endParaRPr kumimoji="1" lang="zh-CN" altLang="en-US" sz="4400" dirty="0"/>
-          </a:p>
-        </p:txBody>
-      </p:sp>
-      <p:sp>
-        <p:nvSpPr>
-          <p:cNvPr id="6" name="文本框 5"/>
+              <a:t>Project 10</a:t>
+            </a:r>
+            <a:r>
+              <a:rPr kumimoji="1" lang="zh-CN" altLang="en-US" sz="4400" dirty="0"/>
+              <a:t> 内容概述</a:t>
+            </a:r>
+          </a:p>
+        </p:txBody>
+      </p:sp>
+      <p:sp>
+        <p:nvSpPr>
+          <p:cNvPr id="5" name="文本框 4"/>
           <p:cNvSpPr txBox="1"/>
           <p:nvPr/>
         </p:nvSpPr>
         <p:spPr>
           <a:xfrm>
-            <a:off x="1034526" y="1497107"/>
-            <a:ext cx="10131911" cy="4524315"/>
+            <a:off x="1142104" y="1723017"/>
+            <a:ext cx="2493982" cy="3539430"/>
           </a:xfrm>
           <a:prstGeom prst="rect">
             <a:avLst/>
@@ -7823,67 +8569,54 @@
           <a:lstStyle/>
           <a:p>
             <a:r>
+              <a:rPr kumimoji="1" lang="zh-CN" altLang="en-US" sz="3200" dirty="0"/>
+              <a:t>针对一段代码，首先进行</a:t>
+            </a:r>
+            <a:r>
               <a:rPr kumimoji="1" lang="en-US" altLang="zh-CN" sz="3200" dirty="0"/>
-              <a:t>	</a:t>
-            </a:r>
-            <a:r>
-              <a:rPr kumimoji="1" lang="en-US" altLang="zh-CN" sz="3200" dirty="0" smtClean="0"/>
-              <a:t>Lex</a:t>
-            </a:r>
-            <a:r>
-              <a:rPr kumimoji="1" lang="zh-CN" altLang="en-US" sz="3200" dirty="0" smtClean="0"/>
-              <a:t>在扫描代码的时候，通过正则表达式提取各类字符串。正则表达式在网上的教程相对普遍易懂，配合在线正则表达式的测试工具即可掌握。</a:t>
-            </a:r>
-            <a:endParaRPr kumimoji="1" lang="en-US" altLang="zh-CN" sz="3200" dirty="0" smtClean="0"/>
-          </a:p>
-          <a:p>
-            <a:r>
-              <a:rPr kumimoji="1" lang="en-US" altLang="zh-CN" sz="3200" dirty="0"/>
-              <a:t>	</a:t>
-            </a:r>
-            <a:r>
-              <a:rPr kumimoji="1" lang="en-US" altLang="zh-CN" sz="3200" dirty="0" smtClean="0"/>
-              <a:t>Lex</a:t>
-            </a:r>
-            <a:r>
-              <a:rPr kumimoji="1" lang="zh-CN" altLang="en-US" sz="3200" dirty="0" smtClean="0"/>
-              <a:t>本身对于代码的格式（缩进、换行）有严格的要求，所以大部分功能都被编写进了头文件中。</a:t>
-            </a:r>
-            <a:endParaRPr kumimoji="1" lang="en-US" altLang="zh-CN" sz="3200" dirty="0" smtClean="0"/>
-          </a:p>
-          <a:p>
-            <a:r>
-              <a:rPr kumimoji="1" lang="en-US" altLang="zh-CN" sz="3200" dirty="0"/>
-              <a:t>	</a:t>
-            </a:r>
-            <a:r>
-              <a:rPr kumimoji="1" lang="zh-CN" altLang="en-US" sz="3200" dirty="0" smtClean="0"/>
-              <a:t>然而不知为何，我在</a:t>
-            </a:r>
-            <a:r>
-              <a:rPr kumimoji="1" lang="en-US" altLang="zh-CN" sz="3200" dirty="0" smtClean="0"/>
-              <a:t>Lex</a:t>
-            </a:r>
-            <a:r>
-              <a:rPr kumimoji="1" lang="zh-CN" altLang="en-US" sz="3200" dirty="0" smtClean="0"/>
-              <a:t>中无法使用指针，所以每次操作如果要修改全局变量，就必须不断地写一个函数提供一个返回值，然后在</a:t>
-            </a:r>
-            <a:r>
-              <a:rPr kumimoji="1" lang="en-US" altLang="zh-CN" sz="3200" dirty="0" smtClean="0"/>
-              <a:t>Lex</a:t>
-            </a:r>
-            <a:r>
-              <a:rPr kumimoji="1" lang="zh-CN" altLang="en-US" sz="3200" dirty="0" smtClean="0"/>
-              <a:t>的主体中通过返回值修改全局变量。</a:t>
-            </a:r>
-            <a:endParaRPr kumimoji="1" lang="zh-CN" altLang="en-US" sz="3200" dirty="0"/>
-          </a:p>
-        </p:txBody>
-      </p:sp>
+              <a:t>tokenize</a:t>
+            </a:r>
+            <a:r>
+              <a:rPr kumimoji="1" lang="zh-CN" altLang="en-US" sz="3200" dirty="0"/>
+              <a:t>，即单独识别出每个字符串的类型，如右图：</a:t>
+            </a:r>
+          </a:p>
+        </p:txBody>
+      </p:sp>
+      <p:pic>
+        <p:nvPicPr>
+          <p:cNvPr id="2" name="图片 1"/>
+          <p:cNvPicPr>
+            <a:picLocks noChangeAspect="1"/>
+          </p:cNvPicPr>
+          <p:nvPr/>
+        </p:nvPicPr>
+        <p:blipFill>
+          <a:blip r:embed="rId2">
+            <a:extLst>
+              <a:ext uri="{28A0092B-C50C-407E-A947-70E740481C1C}">
+                <a14:useLocalDpi xmlns:a14="http://schemas.microsoft.com/office/drawing/2010/main" val="0"/>
+              </a:ext>
+            </a:extLst>
+          </a:blip>
+          <a:stretch>
+            <a:fillRect/>
+          </a:stretch>
+        </p:blipFill>
+        <p:spPr>
+          <a:xfrm>
+            <a:off x="4195482" y="1081414"/>
+            <a:ext cx="6750158" cy="5512909"/>
+          </a:xfrm>
+          <a:prstGeom prst="rect">
+            <a:avLst/>
+          </a:prstGeom>
+        </p:spPr>
+      </p:pic>
     </p:spTree>
     <p:extLst>
       <p:ext uri="{BB962C8B-B14F-4D97-AF65-F5344CB8AC3E}">
-        <p14:creationId xmlns:p14="http://schemas.microsoft.com/office/powerpoint/2010/main" val="1070742345"/>
+        <p14:creationId xmlns:p14="http://schemas.microsoft.com/office/powerpoint/2010/main" val="753875168"/>
       </p:ext>
     </p:extLst>
   </p:cSld>
@@ -7918,7 +8651,7 @@
         </p:nvSpPr>
         <p:spPr>
           <a:xfrm>
-            <a:off x="2958354" y="0"/>
+            <a:off x="2947596" y="311973"/>
             <a:ext cx="5787614" cy="769441"/>
           </a:xfrm>
           <a:prstGeom prst="rect">
@@ -7934,20 +8667,64 @@
           <a:p>
             <a:pPr algn="ctr"/>
             <a:r>
-              <a:rPr kumimoji="1" lang="en-US" altLang="zh-CN" sz="4400" dirty="0" smtClean="0"/>
-              <a:t>Lex</a:t>
-            </a:r>
-            <a:r>
-              <a:rPr kumimoji="1" lang="zh-CN" altLang="en-US" sz="4400" dirty="0" smtClean="0"/>
-              <a:t>代码概况</a:t>
-            </a:r>
-            <a:endParaRPr kumimoji="1" lang="zh-CN" altLang="en-US" sz="4400" dirty="0"/>
+              <a:rPr kumimoji="1" lang="en-US" altLang="zh-CN" sz="4400" dirty="0"/>
+              <a:t>Project 10</a:t>
+            </a:r>
+            <a:r>
+              <a:rPr kumimoji="1" lang="zh-CN" altLang="en-US" sz="4400" dirty="0"/>
+              <a:t> 内容概述</a:t>
+            </a:r>
+          </a:p>
+        </p:txBody>
+      </p:sp>
+      <p:sp>
+        <p:nvSpPr>
+          <p:cNvPr id="5" name="文本框 4"/>
+          <p:cNvSpPr txBox="1"/>
+          <p:nvPr/>
+        </p:nvSpPr>
+        <p:spPr>
+          <a:xfrm>
+            <a:off x="1142104" y="1723017"/>
+            <a:ext cx="2493982" cy="4031873"/>
+          </a:xfrm>
+          <a:prstGeom prst="rect">
+            <a:avLst/>
+          </a:prstGeom>
+          <a:noFill/>
+        </p:spPr>
+        <p:txBody>
+          <a:bodyPr wrap="square" rtlCol="0">
+            <a:spAutoFit/>
+          </a:bodyPr>
+          <a:lstStyle/>
+          <a:p>
+            <a:r>
+              <a:rPr kumimoji="1" lang="zh-CN" altLang="en-US" sz="3200" dirty="0"/>
+              <a:t>在此基础上，对</a:t>
+            </a:r>
+            <a:r>
+              <a:rPr kumimoji="1" lang="en-US" altLang="zh-CN" sz="3200" dirty="0"/>
+              <a:t>keyword</a:t>
+            </a:r>
+            <a:r>
+              <a:rPr kumimoji="1" lang="zh-CN" altLang="en-US" sz="3200" dirty="0"/>
+              <a:t>以及</a:t>
+            </a:r>
+            <a:r>
+              <a:rPr kumimoji="1" lang="en-US" altLang="zh-CN" sz="3200" dirty="0"/>
+              <a:t>symbol</a:t>
+            </a:r>
+            <a:r>
+              <a:rPr kumimoji="1" lang="zh-CN" altLang="en-US" sz="3200" dirty="0"/>
+              <a:t>进行识别，进行语法分析，输出一份有缩进，语义完备的文件</a:t>
+            </a:r>
           </a:p>
         </p:txBody>
       </p:sp>
       <p:pic>
         <p:nvPicPr>
-          <p:cNvPr id="2" name="图片 1"/>
+          <p:cNvPr id="3" name="图片 2"/>
           <p:cNvPicPr>
             <a:picLocks noChangeAspect="1"/>
           </p:cNvPicPr>
@@ -7967,8 +8744,8 @@
         </p:blipFill>
         <p:spPr>
           <a:xfrm>
-            <a:off x="979694" y="769441"/>
-            <a:ext cx="10058400" cy="5869171"/>
+            <a:off x="4410634" y="1081414"/>
+            <a:ext cx="6454589" cy="5501468"/>
           </a:xfrm>
           <a:prstGeom prst="rect">
             <a:avLst/>
@@ -7978,7 +8755,7 @@
     </p:spTree>
     <p:extLst>
       <p:ext uri="{BB962C8B-B14F-4D97-AF65-F5344CB8AC3E}">
-        <p14:creationId xmlns:p14="http://schemas.microsoft.com/office/powerpoint/2010/main" val="1472553679"/>
+        <p14:creationId xmlns:p14="http://schemas.microsoft.com/office/powerpoint/2010/main" val="456486500"/>
       </p:ext>
     </p:extLst>
   </p:cSld>
@@ -8014,7 +8791,7 @@
         <p:spPr>
           <a:xfrm>
             <a:off x="2947596" y="311973"/>
-            <a:ext cx="6390042" cy="769441"/>
+            <a:ext cx="6121100" cy="769441"/>
           </a:xfrm>
           <a:prstGeom prst="rect">
             <a:avLst/>
@@ -8029,14 +8806,9 @@
           <a:p>
             <a:pPr algn="ctr"/>
             <a:r>
-              <a:rPr kumimoji="1" lang="en-US" altLang="zh-CN" sz="4400" dirty="0" smtClean="0"/>
-              <a:t> </a:t>
-            </a:r>
-            <a:r>
-              <a:rPr kumimoji="1" lang="zh-CN" altLang="en-US" sz="4400" dirty="0" smtClean="0"/>
-              <a:t>未解决的问题：</a:t>
-            </a:r>
-            <a:endParaRPr kumimoji="1" lang="zh-CN" altLang="en-US" sz="4400" dirty="0"/>
+              <a:rPr kumimoji="1" lang="zh-CN" altLang="en-US" sz="4400" dirty="0"/>
+              <a:t>已解决的问题：</a:t>
+            </a:r>
           </a:p>
         </p:txBody>
       </p:sp>
@@ -8048,8 +8820,8 @@
         </p:nvSpPr>
         <p:spPr>
           <a:xfrm>
-            <a:off x="871370" y="1497107"/>
-            <a:ext cx="10510222" cy="4524315"/>
+            <a:off x="883920" y="1497107"/>
+            <a:ext cx="4580966" cy="4031873"/>
           </a:xfrm>
           <a:prstGeom prst="rect">
             <a:avLst/>
@@ -8064,159 +8836,98 @@
           <a:p>
             <a:r>
               <a:rPr kumimoji="1" lang="en-US" altLang="zh-CN" sz="3200" dirty="0"/>
-              <a:t>	</a:t>
-            </a:r>
-            <a:r>
-              <a:rPr kumimoji="1" lang="zh-CN" altLang="en-US" sz="3200" dirty="0" smtClean="0"/>
-              <a:t>目前作业中只涉及到了</a:t>
-            </a:r>
-            <a:r>
-              <a:rPr kumimoji="1" lang="en-US" altLang="zh-CN" sz="3200" dirty="0" smtClean="0"/>
-              <a:t>if</a:t>
-            </a:r>
-            <a:r>
-              <a:rPr kumimoji="1" lang="zh-CN" altLang="en-US" sz="3200" dirty="0" smtClean="0"/>
+              <a:t>1.</a:t>
+            </a:r>
+            <a:r>
+              <a:rPr kumimoji="1" lang="zh-CN" altLang="en-US" sz="3200" dirty="0"/>
+              <a:t>目前课程提供的编译方式是</a:t>
+            </a:r>
+            <a:r>
+              <a:rPr kumimoji="1" lang="en-US" altLang="zh-CN" sz="3200" dirty="0"/>
+              <a:t>Lex</a:t>
+            </a:r>
+            <a:r>
+              <a:rPr kumimoji="1" lang="zh-CN" altLang="en-US" sz="3200" dirty="0"/>
+              <a:t>和</a:t>
+            </a:r>
+            <a:r>
+              <a:rPr kumimoji="1" lang="en-US" altLang="zh-CN" sz="3200" dirty="0" err="1"/>
+              <a:t>Yacc</a:t>
+            </a:r>
+            <a:r>
+              <a:rPr kumimoji="1" lang="zh-CN" altLang="en-US" sz="3200" dirty="0"/>
+              <a:t>，但这两者在网络上资源极度缺乏。</a:t>
+            </a:r>
+            <a:endParaRPr kumimoji="1" lang="en-US" altLang="zh-CN" sz="3200" dirty="0"/>
+          </a:p>
+          <a:p>
+            <a:endParaRPr kumimoji="1" lang="en-US" altLang="zh-CN" sz="3200" dirty="0"/>
+          </a:p>
+          <a:p>
+            <a:endParaRPr kumimoji="1" lang="en-US" altLang="zh-CN" sz="3200" dirty="0"/>
+          </a:p>
+          <a:p>
+            <a:r>
+              <a:rPr kumimoji="1" lang="en-US" altLang="zh-CN" sz="3200" dirty="0"/>
+              <a:t>2.</a:t>
+            </a:r>
+            <a:r>
+              <a:rPr kumimoji="1" lang="zh-CN" altLang="en-US" sz="3200" dirty="0"/>
               <a:t> </a:t>
             </a:r>
             <a:r>
-              <a:rPr kumimoji="1" lang="en-US" altLang="zh-CN" sz="3200" dirty="0" smtClean="0"/>
-              <a:t>else</a:t>
-            </a:r>
-            <a:r>
-              <a:rPr kumimoji="1" lang="zh-CN" altLang="en-US" sz="3200" dirty="0" smtClean="0"/>
-              <a:t>的控制，不知道是否还需要对</a:t>
-            </a:r>
-            <a:r>
-              <a:rPr kumimoji="1" lang="en-US" altLang="zh-CN" sz="3200" dirty="0" smtClean="0"/>
-              <a:t>while</a:t>
-            </a:r>
-            <a:r>
-              <a:rPr kumimoji="1" lang="zh-CN" altLang="en-US" sz="3200" dirty="0" smtClean="0"/>
-              <a:t>，</a:t>
-            </a:r>
-            <a:r>
-              <a:rPr kumimoji="1" lang="en-US" altLang="zh-CN" sz="3200" dirty="0" smtClean="0"/>
-              <a:t>for</a:t>
-            </a:r>
-            <a:r>
-              <a:rPr kumimoji="1" lang="zh-CN" altLang="en-US" sz="3200" dirty="0" smtClean="0"/>
-              <a:t>等进行编译。然而</a:t>
-            </a:r>
-            <a:r>
-              <a:rPr kumimoji="1" lang="en-US" altLang="zh-CN" sz="3200" dirty="0" smtClean="0"/>
-              <a:t>if</a:t>
-            </a:r>
-            <a:r>
-              <a:rPr kumimoji="1" lang="zh-CN" altLang="en-US" sz="3200" dirty="0" smtClean="0"/>
-              <a:t> </a:t>
-            </a:r>
-            <a:r>
-              <a:rPr kumimoji="1" lang="en-US" altLang="zh-CN" sz="3200" dirty="0" smtClean="0"/>
-              <a:t>else</a:t>
-            </a:r>
-            <a:r>
-              <a:rPr kumimoji="1" lang="zh-CN" altLang="en-US" sz="3200" dirty="0" smtClean="0"/>
-              <a:t>的编译我觉得非常复杂。因为在扫描到</a:t>
-            </a:r>
-            <a:r>
-              <a:rPr kumimoji="1" lang="en-US" altLang="zh-CN" sz="3200" dirty="0" smtClean="0"/>
-              <a:t>if</a:t>
-            </a:r>
-            <a:r>
-              <a:rPr kumimoji="1" lang="zh-CN" altLang="en-US" sz="3200" dirty="0" smtClean="0"/>
-              <a:t>结束的‘</a:t>
-            </a:r>
-            <a:r>
-              <a:rPr kumimoji="1" lang="en-US" altLang="zh-CN" sz="3200" dirty="0" smtClean="0"/>
-              <a:t>}</a:t>
-            </a:r>
-            <a:r>
-              <a:rPr kumimoji="1" lang="zh-CN" altLang="en-US" sz="3200" dirty="0" smtClean="0"/>
-              <a:t>’时，并不知道后面有没有</a:t>
-            </a:r>
-            <a:r>
-              <a:rPr kumimoji="1" lang="en-US" altLang="zh-CN" sz="3200" dirty="0" smtClean="0"/>
-              <a:t>else</a:t>
-            </a:r>
-            <a:r>
-              <a:rPr kumimoji="1" lang="zh-CN" altLang="en-US" sz="3200" dirty="0" smtClean="0"/>
-              <a:t>，但是输出中必须决定这里有没有“</a:t>
-            </a:r>
-            <a:r>
-              <a:rPr kumimoji="1" lang="en-US" altLang="zh-CN" sz="3200" dirty="0" smtClean="0"/>
-              <a:t>&lt;/</a:t>
-            </a:r>
-            <a:r>
-              <a:rPr kumimoji="1" lang="en-US" altLang="zh-CN" sz="3200" dirty="0" err="1" smtClean="0"/>
-              <a:t>ifstatement</a:t>
-            </a:r>
-            <a:r>
-              <a:rPr kumimoji="1" lang="en-US" altLang="zh-CN" sz="3200" dirty="0" smtClean="0"/>
-              <a:t>&gt;</a:t>
-            </a:r>
-            <a:r>
-              <a:rPr kumimoji="1" lang="zh-CN" altLang="en-US" sz="3200" dirty="0" smtClean="0"/>
-              <a:t>”。同时，由于</a:t>
-            </a:r>
-            <a:r>
-              <a:rPr kumimoji="1" lang="en-US" altLang="zh-CN" sz="3200" dirty="0" smtClean="0"/>
-              <a:t>}</a:t>
-            </a:r>
-            <a:r>
-              <a:rPr kumimoji="1" lang="zh-CN" altLang="en-US" sz="3200" dirty="0" smtClean="0"/>
-              <a:t>在“</a:t>
-            </a:r>
-            <a:r>
-              <a:rPr kumimoji="1" lang="en-US" altLang="zh-CN" sz="3200" dirty="0" smtClean="0"/>
-              <a:t>class</a:t>
-            </a:r>
-            <a:r>
-              <a:rPr kumimoji="1" lang="zh-CN" altLang="en-US" sz="3200" dirty="0" smtClean="0"/>
-              <a:t>”，“</a:t>
-            </a:r>
-            <a:r>
-              <a:rPr kumimoji="1" lang="en-US" altLang="zh-CN" sz="3200" dirty="0" smtClean="0"/>
-              <a:t>function</a:t>
-            </a:r>
-            <a:r>
-              <a:rPr kumimoji="1" lang="zh-CN" altLang="en-US" sz="3200" dirty="0" smtClean="0"/>
-              <a:t>”，“</a:t>
-            </a:r>
-            <a:r>
-              <a:rPr kumimoji="1" lang="en-US" altLang="zh-CN" sz="3200" dirty="0" smtClean="0"/>
-              <a:t>if</a:t>
-            </a:r>
-            <a:r>
-              <a:rPr kumimoji="1" lang="zh-CN" altLang="en-US" sz="3200" dirty="0" smtClean="0"/>
-              <a:t> </a:t>
-            </a:r>
-            <a:r>
-              <a:rPr kumimoji="1" lang="en-US" altLang="zh-CN" sz="3200" dirty="0" smtClean="0"/>
-              <a:t>else</a:t>
-            </a:r>
-            <a:r>
-              <a:rPr kumimoji="1" lang="zh-CN" altLang="en-US" sz="3200" dirty="0" smtClean="0"/>
-              <a:t>”中都有使用，但其正则表达式所对应的函数只有一个，于是需要设置大量的变量和复杂的判定。</a:t>
-            </a:r>
-            <a:endParaRPr kumimoji="1" lang="en-US" altLang="zh-CN" sz="3200" dirty="0" smtClean="0"/>
-          </a:p>
-          <a:p>
-            <a:r>
               <a:rPr kumimoji="1" lang="en-US" altLang="zh-CN" sz="3200" dirty="0"/>
-              <a:t>	</a:t>
-            </a:r>
-            <a:r>
-              <a:rPr kumimoji="1" lang="zh-CN" altLang="en-US" sz="3200" dirty="0" smtClean="0"/>
-              <a:t>目前这部分还存在一两处细节上的处理问题，有待以后加以解决。 </a:t>
-            </a:r>
-            <a:endParaRPr kumimoji="1" lang="zh-CN" altLang="en-US" sz="3200" dirty="0"/>
-          </a:p>
-        </p:txBody>
-      </p:sp>
+              <a:t>Lex</a:t>
+            </a:r>
+            <a:r>
+              <a:rPr kumimoji="1" lang="zh-CN" altLang="en-US" sz="3200" dirty="0"/>
+              <a:t>的语法和</a:t>
+            </a:r>
+            <a:r>
+              <a:rPr kumimoji="1" lang="en-US" altLang="zh-CN" sz="3200" dirty="0"/>
+              <a:t>C</a:t>
+            </a:r>
+            <a:r>
+              <a:rPr kumimoji="1" lang="zh-CN" altLang="en-US" sz="3200" dirty="0"/>
+              <a:t>相同，但功能有所区别。</a:t>
+            </a:r>
+          </a:p>
+        </p:txBody>
+      </p:sp>
+      <p:pic>
+        <p:nvPicPr>
+          <p:cNvPr id="6" name="图片 5"/>
+          <p:cNvPicPr>
+            <a:picLocks noChangeAspect="1"/>
+          </p:cNvPicPr>
+          <p:nvPr/>
+        </p:nvPicPr>
+        <p:blipFill>
+          <a:blip r:embed="rId2">
+            <a:extLst>
+              <a:ext uri="{28A0092B-C50C-407E-A947-70E740481C1C}">
+                <a14:useLocalDpi xmlns:a14="http://schemas.microsoft.com/office/drawing/2010/main" val="0"/>
+              </a:ext>
+            </a:extLst>
+          </a:blip>
+          <a:stretch>
+            <a:fillRect/>
+          </a:stretch>
+        </p:blipFill>
+        <p:spPr>
+          <a:xfrm>
+            <a:off x="5900569" y="1156718"/>
+            <a:ext cx="6016483" cy="5491508"/>
+          </a:xfrm>
+          <a:prstGeom prst="rect">
+            <a:avLst/>
+          </a:prstGeom>
+        </p:spPr>
+      </p:pic>
     </p:spTree>
     <p:extLst>
       <p:ext uri="{BB962C8B-B14F-4D97-AF65-F5344CB8AC3E}">
-        <p14:creationId xmlns:p14="http://schemas.microsoft.com/office/powerpoint/2010/main" val="1378047339"/>
+        <p14:creationId xmlns:p14="http://schemas.microsoft.com/office/powerpoint/2010/main" val="1962669144"/>
       </p:ext>
     </p:extLst>
   </p:cSld>
